--- a/FUNCTIONAL_JAVA/Lambdas/Lambdas.pptx
+++ b/FUNCTIONAL_JAVA/Lambdas/Lambdas.pptx
@@ -5,10 +5,10 @@
     <p:sldMasterId id="2147483696" r:id="rId2"/>
   </p:sldMasterIdLst>
   <p:notesMasterIdLst>
-    <p:notesMasterId r:id="rId46"/>
+    <p:notesMasterId r:id="rId47"/>
   </p:notesMasterIdLst>
   <p:handoutMasterIdLst>
-    <p:handoutMasterId r:id="rId47"/>
+    <p:handoutMasterId r:id="rId48"/>
   </p:handoutMasterIdLst>
   <p:sldIdLst>
     <p:sldId id="305" r:id="rId3"/>
@@ -39,21 +39,22 @@
     <p:sldId id="286" r:id="rId28"/>
     <p:sldId id="288" r:id="rId29"/>
     <p:sldId id="290" r:id="rId30"/>
-    <p:sldId id="291" r:id="rId31"/>
-    <p:sldId id="292" r:id="rId32"/>
-    <p:sldId id="293" r:id="rId33"/>
-    <p:sldId id="294" r:id="rId34"/>
-    <p:sldId id="295" r:id="rId35"/>
-    <p:sldId id="296" r:id="rId36"/>
-    <p:sldId id="297" r:id="rId37"/>
-    <p:sldId id="298" r:id="rId38"/>
-    <p:sldId id="299" r:id="rId39"/>
-    <p:sldId id="300" r:id="rId40"/>
-    <p:sldId id="302" r:id="rId41"/>
-    <p:sldId id="307" r:id="rId42"/>
-    <p:sldId id="269" r:id="rId43"/>
-    <p:sldId id="270" r:id="rId44"/>
-    <p:sldId id="306" r:id="rId45"/>
+    <p:sldId id="308" r:id="rId31"/>
+    <p:sldId id="291" r:id="rId32"/>
+    <p:sldId id="292" r:id="rId33"/>
+    <p:sldId id="293" r:id="rId34"/>
+    <p:sldId id="294" r:id="rId35"/>
+    <p:sldId id="295" r:id="rId36"/>
+    <p:sldId id="296" r:id="rId37"/>
+    <p:sldId id="297" r:id="rId38"/>
+    <p:sldId id="298" r:id="rId39"/>
+    <p:sldId id="299" r:id="rId40"/>
+    <p:sldId id="300" r:id="rId41"/>
+    <p:sldId id="302" r:id="rId42"/>
+    <p:sldId id="307" r:id="rId43"/>
+    <p:sldId id="269" r:id="rId44"/>
+    <p:sldId id="270" r:id="rId45"/>
+    <p:sldId id="306" r:id="rId46"/>
   </p:sldIdLst>
   <p:sldSz cx="12192000" cy="6858000"/>
   <p:notesSz cx="6858000" cy="9144000"/>
@@ -266,7 +267,7 @@
           <a:p>
             <a:fld id="{68796EA6-6F25-4F19-87BA-7ADCC16DAEFF}" type="datetimeFigureOut">
               <a:rPr lang="en-US" smtClean="0"/>
-              <a:t>8/24/2016</a:t>
+              <a:t>9/27/2016</a:t>
             </a:fld>
             <a:endParaRPr lang="en-US" dirty="0"/>
           </a:p>
@@ -431,7 +432,7 @@
           <a:p>
             <a:fld id="{C39C172E-A8B5-46F6-B05C-DFA3E2E0F207}" type="datetimeFigureOut">
               <a:rPr lang="en-US" smtClean="0"/>
-              <a:t>8/24/2016</a:t>
+              <a:t>9/27/2016</a:t>
             </a:fld>
             <a:endParaRPr lang="en-US" dirty="0"/>
           </a:p>
@@ -1588,7 +1589,7 @@
           <a:p>
             <a:fld id="{CF2FD335-6D8E-486A-8F5F-DFC7325903FF}" type="slidenum">
               <a:rPr lang="en-US" smtClean="0"/>
-              <a:t>39</a:t>
+              <a:t>40</a:t>
             </a:fld>
             <a:endParaRPr lang="en-US" dirty="0"/>
           </a:p>
@@ -2168,7 +2169,7 @@
           <a:p>
             <a:fld id="{4E708F12-96AD-4ED4-8132-A78F5E42C1F5}" type="datetime1">
               <a:rPr lang="en-US" smtClean="0"/>
-              <a:t>8/24/2016</a:t>
+              <a:t>9/27/2016</a:t>
             </a:fld>
             <a:endParaRPr lang="en-US" dirty="0"/>
           </a:p>
@@ -2390,7 +2391,7 @@
           <a:p>
             <a:fld id="{7B7FA170-8299-44AD-AEEF-FC686C3D7804}" type="datetime1">
               <a:rPr lang="en-US" smtClean="0"/>
-              <a:t>8/24/2016</a:t>
+              <a:t>9/27/2016</a:t>
             </a:fld>
             <a:endParaRPr lang="en-US" dirty="0"/>
           </a:p>
@@ -2572,7 +2573,7 @@
           <a:p>
             <a:fld id="{2231763A-68EC-4ECD-9620-D9FE9CDDD622}" type="datetime1">
               <a:rPr lang="en-US" smtClean="0"/>
-              <a:t>8/24/2016</a:t>
+              <a:t>9/27/2016</a:t>
             </a:fld>
             <a:endParaRPr lang="en-US" dirty="0"/>
           </a:p>
@@ -2764,7 +2765,7 @@
           <a:p>
             <a:fld id="{7B98BEDD-6160-49BB-B372-861DE7DE9BA5}" type="datetime1">
               <a:rPr lang="en-US" smtClean="0"/>
-              <a:t>8/24/2016</a:t>
+              <a:t>9/27/2016</a:t>
             </a:fld>
             <a:endParaRPr lang="en-US" dirty="0"/>
           </a:p>
@@ -2946,7 +2947,7 @@
           <a:p>
             <a:fld id="{0AAE819F-B7FD-4B29-8F66-9E318144BC2A}" type="datetime1">
               <a:rPr lang="en-US" smtClean="0"/>
-              <a:t>8/24/2016</a:t>
+              <a:t>9/27/2016</a:t>
             </a:fld>
             <a:endParaRPr lang="en-US" dirty="0"/>
           </a:p>
@@ -3178,7 +3179,7 @@
           <a:p>
             <a:fld id="{D4CA159C-B6E0-4F10-9F4A-2FA57003B139}" type="datetime1">
               <a:rPr lang="en-US" smtClean="0"/>
-              <a:t>8/24/2016</a:t>
+              <a:t>9/27/2016</a:t>
             </a:fld>
             <a:endParaRPr lang="en-US" dirty="0"/>
           </a:p>
@@ -3470,7 +3471,7 @@
           <a:p>
             <a:fld id="{8170CBBB-D1D1-4386-A5E9-07F3477B78F3}" type="datetime1">
               <a:rPr lang="en-US" smtClean="0"/>
-              <a:t>8/24/2016</a:t>
+              <a:t>9/27/2016</a:t>
             </a:fld>
             <a:endParaRPr lang="en-US" dirty="0"/>
           </a:p>
@@ -3898,7 +3899,7 @@
           <a:p>
             <a:fld id="{9FA4CAD8-0EA7-4615-B69B-B2F199EF3A93}" type="datetime1">
               <a:rPr lang="en-US" smtClean="0"/>
-              <a:t>8/24/2016</a:t>
+              <a:t>9/27/2016</a:t>
             </a:fld>
             <a:endParaRPr lang="en-US" dirty="0"/>
           </a:p>
@@ -4051,7 +4052,7 @@
           <a:p>
             <a:fld id="{B9234BD7-6953-492C-921B-E68B2D7F14C8}" type="datetime1">
               <a:rPr lang="en-US" smtClean="0"/>
-              <a:t>8/24/2016</a:t>
+              <a:t>9/27/2016</a:t>
             </a:fld>
             <a:endParaRPr lang="en-US" dirty="0"/>
           </a:p>
@@ -4158,7 +4159,7 @@
           <a:p>
             <a:fld id="{35A17D9B-D4D3-4E23-88DF-2E354FA43196}" type="datetime1">
               <a:rPr lang="en-US" smtClean="0"/>
-              <a:t>8/24/2016</a:t>
+              <a:t>9/27/2016</a:t>
             </a:fld>
             <a:endParaRPr lang="en-US" dirty="0"/>
           </a:p>
@@ -4420,7 +4421,7 @@
           <a:p>
             <a:fld id="{541F67C5-D04E-4576-B61C-12ABA14BBD6C}" type="datetime1">
               <a:rPr lang="en-US" smtClean="0"/>
-              <a:t>8/24/2016</a:t>
+              <a:t>9/27/2016</a:t>
             </a:fld>
             <a:endParaRPr lang="en-US" dirty="0"/>
           </a:p>
@@ -5320,7 +5321,7 @@
           <a:p>
             <a:fld id="{C20F09E4-6EA4-4BF3-9FC8-FF40373B88E6}" type="datetime1">
               <a:rPr lang="en-US" smtClean="0"/>
-              <a:t>8/24/2016</a:t>
+              <a:t>9/27/2016</a:t>
             </a:fld>
             <a:endParaRPr lang="en-US" dirty="0"/>
           </a:p>
@@ -5895,7 +5896,7 @@
           <a:p>
             <a:fld id="{11E75AD6-A3B4-40A2-9CA3-14F0AC0010E8}" type="datetime1">
               <a:rPr lang="en-IN" smtClean="0"/>
-              <a:t>24-08-2016</a:t>
+              <a:t>27-09-2016</a:t>
             </a:fld>
             <a:endParaRPr lang="en-IN"/>
           </a:p>
@@ -13878,294 +13879,6 @@
       </p:grpSpPr>
       <p:sp>
         <p:nvSpPr>
-          <p:cNvPr id="3" name="Content Placeholder 2"/>
-          <p:cNvSpPr>
-            <a:spLocks noGrp="1"/>
-          </p:cNvSpPr>
-          <p:nvPr>
-            <p:ph idx="1"/>
-          </p:nvPr>
-        </p:nvSpPr>
-        <p:spPr>
-          <a:xfrm>
-            <a:off x="609600" y="1200150"/>
-            <a:ext cx="9963150" cy="5326380"/>
-          </a:xfrm>
-        </p:spPr>
-        <p:txBody>
-          <a:bodyPr>
-            <a:normAutofit fontScale="62500" lnSpcReduction="20000"/>
-          </a:bodyPr>
-          <a:lstStyle/>
-          <a:p>
-            <a:pPr marL="457200" indent="-457200"/>
-            <a:r>
-              <a:rPr lang="en-IN" dirty="0"/>
-              <a:t> Along with lambda expressions, method references and constructor references were added to the language in Java 8.   A method or constructor reference refers to a method or constructor without invoking it.  They are a syntactic shortcut for creating a lambda expression out of an existing method/constructor</a:t>
-            </a:r>
-            <a:r>
-              <a:rPr lang="en-IN" dirty="0" smtClean="0"/>
-              <a:t>.</a:t>
-            </a:r>
-          </a:p>
-          <a:p>
-            <a:pPr marL="457200" indent="-457200"/>
-            <a:endParaRPr lang="en-IN" dirty="0" smtClean="0"/>
-          </a:p>
-          <a:p>
-            <a:pPr marL="457200" indent="-457200"/>
-            <a:r>
-              <a:rPr lang="en-IN" dirty="0" smtClean="0"/>
-              <a:t>When you need a method reference, the target reference is placed before the delimiter :: and the name of the method is provided after it. No brackets are needed because you’re not actually calling the method. Method reference is shorthand for the lambda expression.</a:t>
-            </a:r>
-          </a:p>
-          <a:p>
-            <a:pPr marL="457200" indent="-457200"/>
-            <a:endParaRPr lang="en-IN" dirty="0" smtClean="0"/>
-          </a:p>
-          <a:p>
-            <a:pPr marL="457200" indent="-457200"/>
-            <a:r>
-              <a:rPr lang="en-IN" dirty="0" smtClean="0"/>
-              <a:t>  Example 1</a:t>
-            </a:r>
-          </a:p>
-          <a:p>
-            <a:pPr marL="0" indent="0">
-              <a:buNone/>
-            </a:pPr>
-            <a:r>
-              <a:rPr lang="en-IN" dirty="0" smtClean="0"/>
-              <a:t>	Function&lt;</a:t>
-            </a:r>
-            <a:r>
-              <a:rPr lang="en-IN" dirty="0" err="1" smtClean="0"/>
-              <a:t>String,Integer</a:t>
-            </a:r>
-            <a:r>
-              <a:rPr lang="en-IN" dirty="0"/>
-              <a:t>&gt; f =   String::length</a:t>
-            </a:r>
-            <a:r>
-              <a:rPr lang="en-IN" dirty="0" smtClean="0"/>
-              <a:t>; same as</a:t>
-            </a:r>
-          </a:p>
-          <a:p>
-            <a:pPr marL="0" indent="0">
-              <a:buNone/>
-            </a:pPr>
-            <a:endParaRPr lang="en-IN" dirty="0" smtClean="0"/>
-          </a:p>
-          <a:p>
-            <a:pPr marL="0" indent="0">
-              <a:buNone/>
-            </a:pPr>
-            <a:r>
-              <a:rPr lang="en-IN" dirty="0" smtClean="0"/>
-              <a:t>	Function&lt;</a:t>
-            </a:r>
-            <a:r>
-              <a:rPr lang="en-IN" dirty="0" err="1" smtClean="0"/>
-              <a:t>String,Integer</a:t>
-            </a:r>
-            <a:r>
-              <a:rPr lang="en-IN" dirty="0"/>
-              <a:t>&gt; f =  (s) -&gt; </a:t>
-            </a:r>
-            <a:r>
-              <a:rPr lang="en-IN" dirty="0" smtClean="0"/>
-              <a:t>{return </a:t>
-            </a:r>
-            <a:r>
-              <a:rPr lang="en-IN" dirty="0" err="1" smtClean="0"/>
-              <a:t>s.length</a:t>
-            </a:r>
-            <a:r>
-              <a:rPr lang="en-IN" dirty="0" smtClean="0"/>
-              <a:t>(); };</a:t>
-            </a:r>
-            <a:r>
-              <a:rPr lang="en-IN" b="1" dirty="0" smtClean="0"/>
-              <a:t> </a:t>
-            </a:r>
-          </a:p>
-          <a:p>
-            <a:pPr marL="0" indent="0">
-              <a:buNone/>
-            </a:pPr>
-            <a:endParaRPr lang="en-IN" b="1" dirty="0"/>
-          </a:p>
-          <a:p>
-            <a:pPr marL="457200" indent="-457200"/>
-            <a:r>
-              <a:rPr lang="en-IN" b="1" dirty="0" smtClean="0"/>
-              <a:t>   </a:t>
-            </a:r>
-            <a:r>
-              <a:rPr lang="en-IN" dirty="0"/>
-              <a:t>Example </a:t>
-            </a:r>
-            <a:r>
-              <a:rPr lang="en-IN" dirty="0" smtClean="0"/>
-              <a:t>2</a:t>
-            </a:r>
-            <a:endParaRPr lang="en-IN" dirty="0"/>
-          </a:p>
-          <a:p>
-            <a:pPr marL="0" indent="0">
-              <a:buNone/>
-            </a:pPr>
-            <a:endParaRPr lang="en-IN" dirty="0" smtClean="0"/>
-          </a:p>
-          <a:p>
-            <a:pPr marL="0" indent="0">
-              <a:buNone/>
-            </a:pPr>
-            <a:r>
-              <a:rPr lang="en-IN" dirty="0"/>
-              <a:t> 	</a:t>
-            </a:r>
-            <a:r>
-              <a:rPr lang="en-IN" dirty="0" err="1" smtClean="0"/>
-              <a:t>students.sort</a:t>
-            </a:r>
-            <a:r>
-              <a:rPr lang="en-IN" dirty="0"/>
-              <a:t>((Student s1, Student s2) -&gt; s1</a:t>
-            </a:r>
-            <a:r>
-              <a:rPr lang="en-IN" dirty="0" smtClean="0"/>
-              <a:t>.  </a:t>
-            </a:r>
-            <a:endParaRPr lang="en-IN" dirty="0"/>
-          </a:p>
-          <a:p>
-            <a:pPr marL="0" indent="0">
-              <a:buNone/>
-            </a:pPr>
-            <a:r>
-              <a:rPr lang="en-IN" dirty="0" smtClean="0"/>
-              <a:t>	</a:t>
-            </a:r>
-            <a:r>
-              <a:rPr lang="en-IN" dirty="0" err="1" smtClean="0"/>
-              <a:t>getTotalMarks</a:t>
-            </a:r>
-            <a:r>
-              <a:rPr lang="en-IN" dirty="0"/>
-              <a:t>().</a:t>
-            </a:r>
-            <a:r>
-              <a:rPr lang="en-IN" dirty="0" err="1"/>
-              <a:t>compareTo</a:t>
-            </a:r>
-            <a:r>
-              <a:rPr lang="en-IN" dirty="0"/>
-              <a:t>(s2. </a:t>
-            </a:r>
-            <a:r>
-              <a:rPr lang="en-IN" dirty="0" err="1"/>
-              <a:t>getTotalMarks</a:t>
-            </a:r>
-            <a:r>
-              <a:rPr lang="en-IN" dirty="0"/>
-              <a:t>())); same as</a:t>
-            </a:r>
-          </a:p>
-          <a:p>
-            <a:pPr marL="0" indent="0">
-              <a:buNone/>
-            </a:pPr>
-            <a:r>
-              <a:rPr lang="en-IN" dirty="0" smtClean="0"/>
-              <a:t>	</a:t>
-            </a:r>
-          </a:p>
-          <a:p>
-            <a:pPr marL="0" indent="0">
-              <a:buNone/>
-            </a:pPr>
-            <a:r>
-              <a:rPr lang="en-IN" dirty="0"/>
-              <a:t>	</a:t>
-            </a:r>
-            <a:r>
-              <a:rPr lang="en-IN" dirty="0" err="1" smtClean="0"/>
-              <a:t>students.sort</a:t>
-            </a:r>
-            <a:r>
-              <a:rPr lang="en-IN" dirty="0" smtClean="0"/>
-              <a:t>(comparing(Student</a:t>
-            </a:r>
-            <a:r>
-              <a:rPr lang="en-IN" dirty="0"/>
-              <a:t>::</a:t>
-            </a:r>
-            <a:r>
-              <a:rPr lang="en-IN" dirty="0" err="1"/>
-              <a:t>getTotalMarks</a:t>
-            </a:r>
-            <a:r>
-              <a:rPr lang="en-IN" dirty="0"/>
-              <a:t>))</a:t>
-            </a:r>
-          </a:p>
-          <a:p>
-            <a:pPr marL="0" indent="0">
-              <a:buNone/>
-            </a:pPr>
-            <a:endParaRPr lang="en-IN" dirty="0" smtClean="0"/>
-          </a:p>
-          <a:p>
-            <a:pPr marL="0" indent="0">
-              <a:buNone/>
-            </a:pPr>
-            <a:endParaRPr lang="en-IN" dirty="0"/>
-          </a:p>
-          <a:p>
-            <a:pPr marL="457200" indent="-457200"/>
-            <a:endParaRPr lang="en-IN" dirty="0" smtClean="0"/>
-          </a:p>
-          <a:p>
-            <a:pPr marL="457200" indent="-457200"/>
-            <a:endParaRPr lang="en-IN" dirty="0" smtClean="0"/>
-          </a:p>
-          <a:p>
-            <a:pPr marL="0" indent="0">
-              <a:buNone/>
-            </a:pPr>
-            <a:endParaRPr lang="en-IN" dirty="0"/>
-          </a:p>
-          <a:p>
-            <a:pPr marL="0" indent="0">
-              <a:buNone/>
-            </a:pPr>
-            <a:endParaRPr lang="en-IN" dirty="0"/>
-          </a:p>
-          <a:p>
-            <a:pPr marL="0" indent="0">
-              <a:buNone/>
-            </a:pPr>
-            <a:endParaRPr lang="en-IN" dirty="0"/>
-          </a:p>
-          <a:p>
-            <a:pPr marL="0" indent="0">
-              <a:buNone/>
-            </a:pPr>
-            <a:endParaRPr lang="en-IN" dirty="0"/>
-          </a:p>
-          <a:p>
-            <a:pPr marL="457200" indent="-457200"/>
-            <a:endParaRPr lang="en-IN" dirty="0"/>
-          </a:p>
-          <a:p>
-            <a:endParaRPr lang="en-US" dirty="0"/>
-          </a:p>
-        </p:txBody>
-      </p:sp>
-      <p:sp>
-        <p:nvSpPr>
           <p:cNvPr id="2" name="Title 1"/>
           <p:cNvSpPr>
             <a:spLocks noGrp="1"/>
@@ -14176,31 +13889,701 @@
         </p:nvSpPr>
         <p:spPr>
           <a:xfrm>
-            <a:off x="609600" y="575874"/>
-            <a:ext cx="10972800" cy="624276"/>
+            <a:off x="838200" y="365126"/>
+            <a:ext cx="10515600" cy="905956"/>
           </a:xfrm>
         </p:spPr>
         <p:txBody>
-          <a:bodyPr>
-            <a:normAutofit fontScale="90000"/>
-          </a:bodyPr>
+          <a:bodyPr/>
           <a:lstStyle/>
           <a:p>
             <a:r>
-              <a:rPr lang="en-US" dirty="0" smtClean="0"/>
-              <a:t>Lesson 6 </a:t>
-            </a:r>
-            <a:r>
-              <a:rPr lang="en-US" dirty="0"/>
-              <a:t>: Method and constructor reference</a:t>
-            </a:r>
+              <a:rPr lang="en-IN" dirty="0" smtClean="0"/>
+              <a:t>Exercise : Match </a:t>
+            </a:r>
+            <a:r>
+              <a:rPr lang="en-IN" dirty="0" smtClean="0"/>
+              <a:t>the following.</a:t>
+            </a:r>
+            <a:endParaRPr lang="en-IN" dirty="0"/>
           </a:p>
         </p:txBody>
       </p:sp>
+      <p:graphicFrame>
+        <p:nvGraphicFramePr>
+          <p:cNvPr id="4" name="Content Placeholder 3"/>
+          <p:cNvGraphicFramePr>
+            <a:graphicFrameLocks noGrp="1"/>
+          </p:cNvGraphicFramePr>
+          <p:nvPr>
+            <p:ph idx="1"/>
+            <p:extLst/>
+          </p:nvPr>
+        </p:nvGraphicFramePr>
+        <p:xfrm>
+          <a:off x="997525" y="1465636"/>
+          <a:ext cx="8716490" cy="4483906"/>
+        </p:xfrm>
+        <a:graphic>
+          <a:graphicData uri="http://schemas.openxmlformats.org/drawingml/2006/table">
+            <a:tbl>
+              <a:tblPr firstRow="1" firstCol="1" bandRow="1">
+                <a:tableStyleId>{5C22544A-7EE6-4342-B048-85BDC9FD1C3A}</a:tableStyleId>
+              </a:tblPr>
+              <a:tblGrid>
+                <a:gridCol w="4358245"/>
+                <a:gridCol w="4358245"/>
+              </a:tblGrid>
+              <a:tr h="934863">
+                <a:tc>
+                  <a:txBody>
+                    <a:bodyPr/>
+                    <a:lstStyle/>
+                    <a:p>
+                      <a:pPr>
+                        <a:lnSpc>
+                          <a:spcPct val="107000"/>
+                        </a:lnSpc>
+                        <a:spcAft>
+                          <a:spcPts val="0"/>
+                        </a:spcAft>
+                      </a:pPr>
+                      <a:r>
+                        <a:rPr lang="en-IN" sz="1100" dirty="0">
+                          <a:effectLst/>
+                        </a:rPr>
+                        <a:t> (List&lt;String&gt; list) -&gt; </a:t>
+                      </a:r>
+                      <a:r>
+                        <a:rPr lang="en-IN" sz="1100" dirty="0" err="1">
+                          <a:effectLst/>
+                        </a:rPr>
+                        <a:t>list.isEmpty</a:t>
+                      </a:r>
+                      <a:r>
+                        <a:rPr lang="en-IN" sz="1100" dirty="0">
+                          <a:effectLst/>
+                        </a:rPr>
+                        <a:t>()</a:t>
+                      </a:r>
+                      <a:endParaRPr lang="en-IN" sz="1100" dirty="0">
+                        <a:effectLst/>
+                        <a:latin typeface="Calibri" panose="020F0502020204030204" pitchFamily="34" charset="0"/>
+                        <a:ea typeface="Calibri" panose="020F0502020204030204" pitchFamily="34" charset="0"/>
+                        <a:cs typeface="Times New Roman" panose="02020603050405020304" pitchFamily="18" charset="0"/>
+                      </a:endParaRPr>
+                    </a:p>
+                  </a:txBody>
+                  <a:tcPr marL="68580" marR="68580" marT="0" marB="0">
+                    <a:solidFill>
+                      <a:schemeClr val="accent2">
+                        <a:lumMod val="75000"/>
+                      </a:schemeClr>
+                    </a:solidFill>
+                  </a:tcPr>
+                </a:tc>
+                <a:tc>
+                  <a:txBody>
+                    <a:bodyPr/>
+                    <a:lstStyle/>
+                    <a:p>
+                      <a:pPr>
+                        <a:lnSpc>
+                          <a:spcPct val="107000"/>
+                        </a:lnSpc>
+                        <a:spcAft>
+                          <a:spcPts val="0"/>
+                        </a:spcAft>
+                      </a:pPr>
+                      <a:r>
+                        <a:rPr lang="en-IN" sz="1100" b="1" dirty="0">
+                          <a:solidFill>
+                            <a:schemeClr val="tx1"/>
+                          </a:solidFill>
+                          <a:effectLst/>
+                        </a:rPr>
+                        <a:t> Function&lt;String, Integer&gt; or </a:t>
+                      </a:r>
+                      <a:r>
+                        <a:rPr lang="en-IN" sz="1100" b="1" dirty="0" err="1">
+                          <a:solidFill>
+                            <a:schemeClr val="tx1"/>
+                          </a:solidFill>
+                          <a:effectLst/>
+                        </a:rPr>
+                        <a:t>ToIntFunction</a:t>
+                      </a:r>
+                      <a:r>
+                        <a:rPr lang="en-IN" sz="1100" b="1" dirty="0">
+                          <a:solidFill>
+                            <a:schemeClr val="tx1"/>
+                          </a:solidFill>
+                          <a:effectLst/>
+                        </a:rPr>
+                        <a:t>&lt;String&gt;</a:t>
+                      </a:r>
+                      <a:endParaRPr lang="en-IN" sz="1100" b="1" dirty="0">
+                        <a:solidFill>
+                          <a:schemeClr val="tx1"/>
+                        </a:solidFill>
+                        <a:effectLst/>
+                        <a:latin typeface="Calibri" panose="020F0502020204030204" pitchFamily="34" charset="0"/>
+                        <a:ea typeface="Calibri" panose="020F0502020204030204" pitchFamily="34" charset="0"/>
+                        <a:cs typeface="Times New Roman" panose="02020603050405020304" pitchFamily="18" charset="0"/>
+                      </a:endParaRPr>
+                    </a:p>
+                  </a:txBody>
+                  <a:tcPr marL="68580" marR="68580" marT="0" marB="0">
+                    <a:solidFill>
+                      <a:schemeClr val="accent2">
+                        <a:lumMod val="60000"/>
+                        <a:lumOff val="40000"/>
+                      </a:schemeClr>
+                    </a:solidFill>
+                  </a:tcPr>
+                </a:tc>
+              </a:tr>
+              <a:tr h="346875">
+                <a:tc>
+                  <a:txBody>
+                    <a:bodyPr/>
+                    <a:lstStyle/>
+                    <a:p>
+                      <a:pPr>
+                        <a:lnSpc>
+                          <a:spcPct val="107000"/>
+                        </a:lnSpc>
+                        <a:spcAft>
+                          <a:spcPts val="0"/>
+                        </a:spcAft>
+                      </a:pPr>
+                      <a:r>
+                        <a:rPr lang="en-IN" sz="1100" dirty="0">
+                          <a:effectLst/>
+                        </a:rPr>
+                        <a:t>() -&gt; new Student(10)</a:t>
+                      </a:r>
+                      <a:endParaRPr lang="en-IN" sz="1100" dirty="0">
+                        <a:effectLst/>
+                        <a:latin typeface="Calibri" panose="020F0502020204030204" pitchFamily="34" charset="0"/>
+                        <a:ea typeface="Calibri" panose="020F0502020204030204" pitchFamily="34" charset="0"/>
+                        <a:cs typeface="Times New Roman" panose="02020603050405020304" pitchFamily="18" charset="0"/>
+                      </a:endParaRPr>
+                    </a:p>
+                  </a:txBody>
+                  <a:tcPr marL="68580" marR="68580" marT="0" marB="0">
+                    <a:solidFill>
+                      <a:schemeClr val="accent2">
+                        <a:lumMod val="75000"/>
+                      </a:schemeClr>
+                    </a:solidFill>
+                  </a:tcPr>
+                </a:tc>
+                <a:tc>
+                  <a:txBody>
+                    <a:bodyPr/>
+                    <a:lstStyle/>
+                    <a:p>
+                      <a:pPr>
+                        <a:lnSpc>
+                          <a:spcPct val="107000"/>
+                        </a:lnSpc>
+                        <a:spcAft>
+                          <a:spcPts val="0"/>
+                        </a:spcAft>
+                      </a:pPr>
+                      <a:r>
+                        <a:rPr lang="en-IN" sz="1100" b="1" dirty="0">
+                          <a:solidFill>
+                            <a:schemeClr val="tx1"/>
+                          </a:solidFill>
+                          <a:effectLst/>
+                        </a:rPr>
+                        <a:t>  </a:t>
+                      </a:r>
+                      <a:r>
+                        <a:rPr lang="en-IN" sz="1100" b="1" dirty="0" err="1">
+                          <a:solidFill>
+                            <a:schemeClr val="tx1"/>
+                          </a:solidFill>
+                          <a:effectLst/>
+                        </a:rPr>
+                        <a:t>IntBinaryOperator</a:t>
+                      </a:r>
+                      <a:endParaRPr lang="en-IN" sz="1100" b="1" dirty="0">
+                        <a:solidFill>
+                          <a:schemeClr val="tx1"/>
+                        </a:solidFill>
+                        <a:effectLst/>
+                        <a:latin typeface="Calibri" panose="020F0502020204030204" pitchFamily="34" charset="0"/>
+                        <a:ea typeface="Calibri" panose="020F0502020204030204" pitchFamily="34" charset="0"/>
+                        <a:cs typeface="Times New Roman" panose="02020603050405020304" pitchFamily="18" charset="0"/>
+                      </a:endParaRPr>
+                    </a:p>
+                  </a:txBody>
+                  <a:tcPr marL="68580" marR="68580" marT="0" marB="0">
+                    <a:solidFill>
+                      <a:schemeClr val="accent2">
+                        <a:lumMod val="60000"/>
+                        <a:lumOff val="40000"/>
+                      </a:schemeClr>
+                    </a:solidFill>
+                  </a:tcPr>
+                </a:tc>
+              </a:tr>
+              <a:tr h="709811">
+                <a:tc>
+                  <a:txBody>
+                    <a:bodyPr/>
+                    <a:lstStyle/>
+                    <a:p>
+                      <a:pPr>
+                        <a:lnSpc>
+                          <a:spcPct val="107000"/>
+                        </a:lnSpc>
+                        <a:spcAft>
+                          <a:spcPts val="0"/>
+                        </a:spcAft>
+                      </a:pPr>
+                      <a:r>
+                        <a:rPr lang="en-IN" sz="1100" dirty="0">
+                          <a:effectLst/>
+                        </a:rPr>
+                        <a:t>(Student s) -&gt; </a:t>
+                      </a:r>
+                      <a:r>
+                        <a:rPr lang="en-IN" sz="1100" dirty="0" err="1">
+                          <a:effectLst/>
+                        </a:rPr>
+                        <a:t>System.out.println</a:t>
+                      </a:r>
+                      <a:r>
+                        <a:rPr lang="en-IN" sz="1100" dirty="0">
+                          <a:effectLst/>
+                        </a:rPr>
+                        <a:t>(</a:t>
+                      </a:r>
+                      <a:r>
+                        <a:rPr lang="en-IN" sz="1100" dirty="0" err="1">
+                          <a:effectLst/>
+                        </a:rPr>
+                        <a:t>s.getRollNumber</a:t>
+                      </a:r>
+                      <a:r>
+                        <a:rPr lang="en-IN" sz="1100" dirty="0">
+                          <a:effectLst/>
+                        </a:rPr>
+                        <a:t>())</a:t>
+                      </a:r>
+                      <a:endParaRPr lang="en-IN" sz="1100" dirty="0">
+                        <a:effectLst/>
+                        <a:latin typeface="Calibri" panose="020F0502020204030204" pitchFamily="34" charset="0"/>
+                        <a:ea typeface="Calibri" panose="020F0502020204030204" pitchFamily="34" charset="0"/>
+                        <a:cs typeface="Times New Roman" panose="02020603050405020304" pitchFamily="18" charset="0"/>
+                      </a:endParaRPr>
+                    </a:p>
+                  </a:txBody>
+                  <a:tcPr marL="68580" marR="68580" marT="0" marB="0">
+                    <a:solidFill>
+                      <a:schemeClr val="accent2">
+                        <a:lumMod val="75000"/>
+                      </a:schemeClr>
+                    </a:solidFill>
+                  </a:tcPr>
+                </a:tc>
+                <a:tc>
+                  <a:txBody>
+                    <a:bodyPr/>
+                    <a:lstStyle/>
+                    <a:p>
+                      <a:pPr>
+                        <a:lnSpc>
+                          <a:spcPct val="107000"/>
+                        </a:lnSpc>
+                        <a:spcAft>
+                          <a:spcPts val="0"/>
+                        </a:spcAft>
+                      </a:pPr>
+                      <a:r>
+                        <a:rPr lang="en-IN" sz="1100" b="1" dirty="0">
+                          <a:solidFill>
+                            <a:schemeClr val="tx1"/>
+                          </a:solidFill>
+                          <a:effectLst/>
+                        </a:rPr>
+                        <a:t>  Predicate&lt;List&lt;String&gt;&gt;</a:t>
+                      </a:r>
+                      <a:endParaRPr lang="en-IN" sz="1100" b="1" dirty="0">
+                        <a:solidFill>
+                          <a:schemeClr val="tx1"/>
+                        </a:solidFill>
+                        <a:effectLst/>
+                        <a:latin typeface="Calibri" panose="020F0502020204030204" pitchFamily="34" charset="0"/>
+                        <a:ea typeface="Calibri" panose="020F0502020204030204" pitchFamily="34" charset="0"/>
+                        <a:cs typeface="Times New Roman" panose="02020603050405020304" pitchFamily="18" charset="0"/>
+                      </a:endParaRPr>
+                    </a:p>
+                  </a:txBody>
+                  <a:tcPr marL="68580" marR="68580" marT="0" marB="0">
+                    <a:solidFill>
+                      <a:schemeClr val="accent2">
+                        <a:lumMod val="60000"/>
+                        <a:lumOff val="40000"/>
+                      </a:schemeClr>
+                    </a:solidFill>
+                  </a:tcPr>
+                </a:tc>
+              </a:tr>
+              <a:tr h="1072741">
+                <a:tc>
+                  <a:txBody>
+                    <a:bodyPr/>
+                    <a:lstStyle/>
+                    <a:p>
+                      <a:pPr>
+                        <a:lnSpc>
+                          <a:spcPct val="107000"/>
+                        </a:lnSpc>
+                        <a:spcAft>
+                          <a:spcPts val="0"/>
+                        </a:spcAft>
+                      </a:pPr>
+                      <a:r>
+                        <a:rPr lang="en-IN" sz="1100" dirty="0">
+                          <a:effectLst/>
+                        </a:rPr>
+                        <a:t>(String s) -&gt; </a:t>
+                      </a:r>
+                      <a:r>
+                        <a:rPr lang="en-IN" sz="1100" dirty="0" err="1">
+                          <a:effectLst/>
+                        </a:rPr>
+                        <a:t>s.length</a:t>
+                      </a:r>
+                      <a:r>
+                        <a:rPr lang="en-IN" sz="1100" dirty="0">
+                          <a:effectLst/>
+                        </a:rPr>
+                        <a:t>()</a:t>
+                      </a:r>
+                      <a:endParaRPr lang="en-IN" sz="1100" dirty="0">
+                        <a:effectLst/>
+                        <a:latin typeface="Calibri" panose="020F0502020204030204" pitchFamily="34" charset="0"/>
+                        <a:ea typeface="Calibri" panose="020F0502020204030204" pitchFamily="34" charset="0"/>
+                        <a:cs typeface="Times New Roman" panose="02020603050405020304" pitchFamily="18" charset="0"/>
+                      </a:endParaRPr>
+                    </a:p>
+                  </a:txBody>
+                  <a:tcPr marL="68580" marR="68580" marT="0" marB="0">
+                    <a:solidFill>
+                      <a:schemeClr val="accent2">
+                        <a:lumMod val="75000"/>
+                      </a:schemeClr>
+                    </a:solidFill>
+                  </a:tcPr>
+                </a:tc>
+                <a:tc>
+                  <a:txBody>
+                    <a:bodyPr/>
+                    <a:lstStyle/>
+                    <a:p>
+                      <a:pPr>
+                        <a:lnSpc>
+                          <a:spcPct val="107000"/>
+                        </a:lnSpc>
+                        <a:spcAft>
+                          <a:spcPts val="0"/>
+                        </a:spcAft>
+                      </a:pPr>
+                      <a:r>
+                        <a:rPr lang="en-IN" sz="1100" b="1" dirty="0">
+                          <a:solidFill>
+                            <a:schemeClr val="tx1"/>
+                          </a:solidFill>
+                          <a:effectLst/>
+                        </a:rPr>
+                        <a:t> Comparator&lt; Student &gt; or </a:t>
+                      </a:r>
+                      <a:r>
+                        <a:rPr lang="en-IN" sz="1100" b="1" dirty="0" err="1">
+                          <a:solidFill>
+                            <a:schemeClr val="tx1"/>
+                          </a:solidFill>
+                          <a:effectLst/>
+                        </a:rPr>
+                        <a:t>BiFunction</a:t>
+                      </a:r>
+                      <a:r>
+                        <a:rPr lang="en-IN" sz="1100" b="1" dirty="0">
+                          <a:solidFill>
+                            <a:schemeClr val="tx1"/>
+                          </a:solidFill>
+                          <a:effectLst/>
+                        </a:rPr>
+                        <a:t>&lt; Student, Student, Integer&gt; or </a:t>
+                      </a:r>
+                      <a:r>
+                        <a:rPr lang="en-IN" sz="1100" b="1" dirty="0" err="1">
+                          <a:solidFill>
+                            <a:schemeClr val="tx1"/>
+                          </a:solidFill>
+                          <a:effectLst/>
+                        </a:rPr>
+                        <a:t>ToIntBiFunction</a:t>
+                      </a:r>
+                      <a:r>
+                        <a:rPr lang="en-IN" sz="1100" b="1" dirty="0">
+                          <a:solidFill>
+                            <a:schemeClr val="tx1"/>
+                          </a:solidFill>
+                          <a:effectLst/>
+                        </a:rPr>
+                        <a:t>&lt; Student, Student &gt;</a:t>
+                      </a:r>
+                      <a:endParaRPr lang="en-IN" sz="1100" b="1" dirty="0">
+                        <a:solidFill>
+                          <a:schemeClr val="tx1"/>
+                        </a:solidFill>
+                        <a:effectLst/>
+                        <a:latin typeface="Calibri" panose="020F0502020204030204" pitchFamily="34" charset="0"/>
+                        <a:ea typeface="Calibri" panose="020F0502020204030204" pitchFamily="34" charset="0"/>
+                        <a:cs typeface="Times New Roman" panose="02020603050405020304" pitchFamily="18" charset="0"/>
+                      </a:endParaRPr>
+                    </a:p>
+                  </a:txBody>
+                  <a:tcPr marL="68580" marR="68580" marT="0" marB="0">
+                    <a:solidFill>
+                      <a:schemeClr val="accent2">
+                        <a:lumMod val="60000"/>
+                        <a:lumOff val="40000"/>
+                      </a:schemeClr>
+                    </a:solidFill>
+                  </a:tcPr>
+                </a:tc>
+              </a:tr>
+              <a:tr h="346875">
+                <a:tc>
+                  <a:txBody>
+                    <a:bodyPr/>
+                    <a:lstStyle/>
+                    <a:p>
+                      <a:pPr>
+                        <a:lnSpc>
+                          <a:spcPct val="107000"/>
+                        </a:lnSpc>
+                        <a:spcAft>
+                          <a:spcPts val="0"/>
+                        </a:spcAft>
+                      </a:pPr>
+                      <a:r>
+                        <a:rPr lang="en-IN" sz="1100" dirty="0">
+                          <a:effectLst/>
+                        </a:rPr>
+                        <a:t>(</a:t>
+                      </a:r>
+                      <a:r>
+                        <a:rPr lang="en-IN" sz="1100" dirty="0" err="1">
+                          <a:effectLst/>
+                        </a:rPr>
+                        <a:t>int</a:t>
+                      </a:r>
+                      <a:r>
+                        <a:rPr lang="en-IN" sz="1100" dirty="0">
+                          <a:effectLst/>
+                        </a:rPr>
+                        <a:t> a, </a:t>
+                      </a:r>
+                      <a:r>
+                        <a:rPr lang="en-IN" sz="1100" dirty="0" err="1">
+                          <a:effectLst/>
+                        </a:rPr>
+                        <a:t>int</a:t>
+                      </a:r>
+                      <a:r>
+                        <a:rPr lang="en-IN" sz="1100" dirty="0">
+                          <a:effectLst/>
+                        </a:rPr>
+                        <a:t> b) -&gt; a * b</a:t>
+                      </a:r>
+                      <a:endParaRPr lang="en-IN" sz="1100" dirty="0">
+                        <a:effectLst/>
+                        <a:latin typeface="Calibri" panose="020F0502020204030204" pitchFamily="34" charset="0"/>
+                        <a:ea typeface="Calibri" panose="020F0502020204030204" pitchFamily="34" charset="0"/>
+                        <a:cs typeface="Times New Roman" panose="02020603050405020304" pitchFamily="18" charset="0"/>
+                      </a:endParaRPr>
+                    </a:p>
+                  </a:txBody>
+                  <a:tcPr marL="68580" marR="68580" marT="0" marB="0">
+                    <a:solidFill>
+                      <a:schemeClr val="accent2">
+                        <a:lumMod val="75000"/>
+                      </a:schemeClr>
+                    </a:solidFill>
+                  </a:tcPr>
+                </a:tc>
+                <a:tc>
+                  <a:txBody>
+                    <a:bodyPr/>
+                    <a:lstStyle/>
+                    <a:p>
+                      <a:pPr>
+                        <a:lnSpc>
+                          <a:spcPct val="107000"/>
+                        </a:lnSpc>
+                        <a:spcAft>
+                          <a:spcPts val="0"/>
+                        </a:spcAft>
+                      </a:pPr>
+                      <a:r>
+                        <a:rPr lang="en-IN" sz="1100" b="1" dirty="0">
+                          <a:solidFill>
+                            <a:schemeClr val="tx1"/>
+                          </a:solidFill>
+                          <a:effectLst/>
+                        </a:rPr>
+                        <a:t>  </a:t>
+                      </a:r>
+                      <a:r>
+                        <a:rPr lang="en-IN" sz="1100" b="1" dirty="0" smtClean="0">
+                          <a:solidFill>
+                            <a:schemeClr val="tx1"/>
+                          </a:solidFill>
+                          <a:effectLst/>
+                        </a:rPr>
+                        <a:t>Supplier&lt;Student&gt;</a:t>
+                      </a:r>
+                      <a:endParaRPr lang="en-IN" sz="1100" b="1" dirty="0">
+                        <a:solidFill>
+                          <a:schemeClr val="tx1"/>
+                        </a:solidFill>
+                        <a:effectLst/>
+                        <a:latin typeface="Calibri" panose="020F0502020204030204" pitchFamily="34" charset="0"/>
+                        <a:ea typeface="Calibri" panose="020F0502020204030204" pitchFamily="34" charset="0"/>
+                        <a:cs typeface="Times New Roman" panose="02020603050405020304" pitchFamily="18" charset="0"/>
+                      </a:endParaRPr>
+                    </a:p>
+                  </a:txBody>
+                  <a:tcPr marL="68580" marR="68580" marT="0" marB="0">
+                    <a:solidFill>
+                      <a:schemeClr val="accent2">
+                        <a:lumMod val="60000"/>
+                        <a:lumOff val="40000"/>
+                      </a:schemeClr>
+                    </a:solidFill>
+                  </a:tcPr>
+                </a:tc>
+              </a:tr>
+              <a:tr h="1072741">
+                <a:tc>
+                  <a:txBody>
+                    <a:bodyPr/>
+                    <a:lstStyle/>
+                    <a:p>
+                      <a:pPr>
+                        <a:lnSpc>
+                          <a:spcPct val="107000"/>
+                        </a:lnSpc>
+                        <a:spcAft>
+                          <a:spcPts val="0"/>
+                        </a:spcAft>
+                      </a:pPr>
+                      <a:r>
+                        <a:rPr lang="en-IN" sz="1100" dirty="0">
+                          <a:effectLst/>
+                        </a:rPr>
+                        <a:t>(Student a1, Student a2) -&gt; a1.getTotalMarks().</a:t>
+                      </a:r>
+                      <a:r>
+                        <a:rPr lang="en-IN" sz="1100" dirty="0" err="1">
+                          <a:effectLst/>
+                        </a:rPr>
+                        <a:t>compareTo</a:t>
+                      </a:r>
+                      <a:r>
+                        <a:rPr lang="en-IN" sz="1100" dirty="0">
+                          <a:effectLst/>
+                        </a:rPr>
+                        <a:t> (a2. </a:t>
+                      </a:r>
+                      <a:r>
+                        <a:rPr lang="en-IN" sz="1100" dirty="0" err="1">
+                          <a:effectLst/>
+                        </a:rPr>
+                        <a:t>getTotalMarks</a:t>
+                      </a:r>
+                      <a:r>
+                        <a:rPr lang="en-IN" sz="1100" dirty="0">
+                          <a:effectLst/>
+                        </a:rPr>
+                        <a:t> ())</a:t>
+                      </a:r>
+                      <a:endParaRPr lang="en-IN" sz="1100" dirty="0">
+                        <a:effectLst/>
+                        <a:latin typeface="Calibri" panose="020F0502020204030204" pitchFamily="34" charset="0"/>
+                        <a:ea typeface="Calibri" panose="020F0502020204030204" pitchFamily="34" charset="0"/>
+                        <a:cs typeface="Times New Roman" panose="02020603050405020304" pitchFamily="18" charset="0"/>
+                      </a:endParaRPr>
+                    </a:p>
+                  </a:txBody>
+                  <a:tcPr marL="68580" marR="68580" marT="0" marB="0">
+                    <a:solidFill>
+                      <a:schemeClr val="accent2">
+                        <a:lumMod val="75000"/>
+                      </a:schemeClr>
+                    </a:solidFill>
+                  </a:tcPr>
+                </a:tc>
+                <a:tc>
+                  <a:txBody>
+                    <a:bodyPr/>
+                    <a:lstStyle/>
+                    <a:p>
+                      <a:pPr>
+                        <a:lnSpc>
+                          <a:spcPct val="107000"/>
+                        </a:lnSpc>
+                        <a:spcAft>
+                          <a:spcPts val="0"/>
+                        </a:spcAft>
+                      </a:pPr>
+                      <a:r>
+                        <a:rPr lang="en-IN" sz="1100" b="1" dirty="0">
+                          <a:solidFill>
+                            <a:schemeClr val="tx1"/>
+                          </a:solidFill>
+                          <a:effectLst/>
+                        </a:rPr>
+                        <a:t> Consumer&lt;Student&gt;</a:t>
+                      </a:r>
+                      <a:endParaRPr lang="en-IN" sz="1100" b="1" dirty="0">
+                        <a:solidFill>
+                          <a:schemeClr val="tx1"/>
+                        </a:solidFill>
+                        <a:effectLst/>
+                        <a:latin typeface="Calibri" panose="020F0502020204030204" pitchFamily="34" charset="0"/>
+                        <a:ea typeface="Calibri" panose="020F0502020204030204" pitchFamily="34" charset="0"/>
+                        <a:cs typeface="Times New Roman" panose="02020603050405020304" pitchFamily="18" charset="0"/>
+                      </a:endParaRPr>
+                    </a:p>
+                  </a:txBody>
+                  <a:tcPr marL="68580" marR="68580" marT="0" marB="0">
+                    <a:solidFill>
+                      <a:schemeClr val="accent2">
+                        <a:lumMod val="60000"/>
+                        <a:lumOff val="40000"/>
+                      </a:schemeClr>
+                    </a:solidFill>
+                  </a:tcPr>
+                </a:tc>
+              </a:tr>
+            </a:tbl>
+          </a:graphicData>
+        </a:graphic>
+      </p:graphicFrame>
     </p:spTree>
     <p:extLst>
       <p:ext uri="{BB962C8B-B14F-4D97-AF65-F5344CB8AC3E}">
-        <p14:creationId xmlns:p14="http://schemas.microsoft.com/office/powerpoint/2010/main" val="639696763"/>
+        <p14:creationId xmlns:p14="http://schemas.microsoft.com/office/powerpoint/2010/main" val="3376408081"/>
       </p:ext>
     </p:extLst>
   </p:cSld>
@@ -14367,7 +14750,7 @@
         <p:spPr>
           <a:xfrm>
             <a:off x="609600" y="1200150"/>
-            <a:ext cx="9963150" cy="5052060"/>
+            <a:ext cx="9963150" cy="5326380"/>
           </a:xfrm>
         </p:spPr>
         <p:txBody>
@@ -14378,8 +14761,203 @@
           <a:p>
             <a:pPr marL="457200" indent="-457200"/>
             <a:r>
+              <a:rPr lang="en-IN" dirty="0"/>
+              <a:t> Along with lambda expressions, method references and constructor references were added to the language in Java 8.   A method or constructor reference refers to a method or constructor without invoking it.  They are a syntactic shortcut for creating a lambda expression out of an existing method/constructor</a:t>
+            </a:r>
+            <a:r>
+              <a:rPr lang="en-IN" dirty="0" smtClean="0"/>
+              <a:t>.</a:t>
+            </a:r>
+          </a:p>
+          <a:p>
+            <a:pPr marL="457200" indent="-457200"/>
+            <a:endParaRPr lang="en-IN" dirty="0" smtClean="0"/>
+          </a:p>
+          <a:p>
+            <a:pPr marL="457200" indent="-457200"/>
+            <a:r>
+              <a:rPr lang="en-IN" dirty="0" smtClean="0"/>
+              <a:t>When you need a method reference, the target reference is placed before the delimiter :: and the name of the method is provided after it. No brackets are needed because you’re not actually calling the method. Method reference is shorthand for the lambda expression.</a:t>
+            </a:r>
+          </a:p>
+          <a:p>
+            <a:pPr marL="457200" indent="-457200"/>
+            <a:endParaRPr lang="en-IN" dirty="0" smtClean="0"/>
+          </a:p>
+          <a:p>
+            <a:pPr marL="457200" indent="-457200"/>
+            <a:r>
+              <a:rPr lang="en-IN" dirty="0" smtClean="0"/>
+              <a:t>  Example 1</a:t>
+            </a:r>
+          </a:p>
+          <a:p>
+            <a:pPr marL="0" indent="0">
+              <a:buNone/>
+            </a:pPr>
+            <a:r>
+              <a:rPr lang="en-IN" dirty="0" smtClean="0"/>
+              <a:t>	Function&lt;</a:t>
+            </a:r>
+            <a:r>
               <a:rPr lang="en-IN" dirty="0" err="1" smtClean="0"/>
-              <a:t>TypeName</a:t>
+              <a:t>String,Integer</a:t>
+            </a:r>
+            <a:r>
+              <a:rPr lang="en-IN" dirty="0"/>
+              <a:t>&gt; f =   String::length</a:t>
+            </a:r>
+            <a:r>
+              <a:rPr lang="en-IN" dirty="0" smtClean="0"/>
+              <a:t>; same as</a:t>
+            </a:r>
+          </a:p>
+          <a:p>
+            <a:pPr marL="0" indent="0">
+              <a:buNone/>
+            </a:pPr>
+            <a:endParaRPr lang="en-IN" dirty="0" smtClean="0"/>
+          </a:p>
+          <a:p>
+            <a:pPr marL="0" indent="0">
+              <a:buNone/>
+            </a:pPr>
+            <a:r>
+              <a:rPr lang="en-IN" dirty="0" smtClean="0"/>
+              <a:t>	Function&lt;</a:t>
+            </a:r>
+            <a:r>
+              <a:rPr lang="en-IN" dirty="0" err="1" smtClean="0"/>
+              <a:t>String,Integer</a:t>
+            </a:r>
+            <a:r>
+              <a:rPr lang="en-IN" dirty="0"/>
+              <a:t>&gt; f =  (s) -&gt; </a:t>
+            </a:r>
+            <a:r>
+              <a:rPr lang="en-IN" dirty="0" smtClean="0"/>
+              <a:t>{return </a:t>
+            </a:r>
+            <a:r>
+              <a:rPr lang="en-IN" dirty="0" err="1" smtClean="0"/>
+              <a:t>s.length</a:t>
+            </a:r>
+            <a:r>
+              <a:rPr lang="en-IN" dirty="0" smtClean="0"/>
+              <a:t>(); };</a:t>
+            </a:r>
+            <a:r>
+              <a:rPr lang="en-IN" b="1" dirty="0" smtClean="0"/>
+              <a:t> </a:t>
+            </a:r>
+          </a:p>
+          <a:p>
+            <a:pPr marL="0" indent="0">
+              <a:buNone/>
+            </a:pPr>
+            <a:endParaRPr lang="en-IN" b="1" dirty="0"/>
+          </a:p>
+          <a:p>
+            <a:pPr marL="457200" indent="-457200"/>
+            <a:r>
+              <a:rPr lang="en-IN" b="1" dirty="0" smtClean="0"/>
+              <a:t>   </a:t>
+            </a:r>
+            <a:r>
+              <a:rPr lang="en-IN" dirty="0"/>
+              <a:t>Example </a:t>
+            </a:r>
+            <a:r>
+              <a:rPr lang="en-IN" dirty="0" smtClean="0"/>
+              <a:t>2</a:t>
+            </a:r>
+            <a:endParaRPr lang="en-IN" dirty="0"/>
+          </a:p>
+          <a:p>
+            <a:pPr marL="0" indent="0">
+              <a:buNone/>
+            </a:pPr>
+            <a:endParaRPr lang="en-IN" dirty="0" smtClean="0"/>
+          </a:p>
+          <a:p>
+            <a:pPr marL="0" indent="0">
+              <a:buNone/>
+            </a:pPr>
+            <a:r>
+              <a:rPr lang="en-IN" dirty="0"/>
+              <a:t> 	</a:t>
+            </a:r>
+            <a:r>
+              <a:rPr lang="en-IN" dirty="0" err="1" smtClean="0"/>
+              <a:t>students.sort</a:t>
+            </a:r>
+            <a:r>
+              <a:rPr lang="en-IN" dirty="0"/>
+              <a:t>((Student s1, Student s2) -&gt; s1</a:t>
+            </a:r>
+            <a:r>
+              <a:rPr lang="en-IN" dirty="0" smtClean="0"/>
+              <a:t>.  </a:t>
+            </a:r>
+            <a:endParaRPr lang="en-IN" dirty="0"/>
+          </a:p>
+          <a:p>
+            <a:pPr marL="0" indent="0">
+              <a:buNone/>
+            </a:pPr>
+            <a:r>
+              <a:rPr lang="en-IN" dirty="0" smtClean="0"/>
+              <a:t>	</a:t>
+            </a:r>
+            <a:r>
+              <a:rPr lang="en-IN" dirty="0" err="1" smtClean="0"/>
+              <a:t>getTotalMarks</a:t>
+            </a:r>
+            <a:r>
+              <a:rPr lang="en-IN" dirty="0"/>
+              <a:t>().</a:t>
+            </a:r>
+            <a:r>
+              <a:rPr lang="en-IN" dirty="0" err="1"/>
+              <a:t>compareTo</a:t>
+            </a:r>
+            <a:r>
+              <a:rPr lang="en-IN" dirty="0"/>
+              <a:t>(s2. </a:t>
+            </a:r>
+            <a:r>
+              <a:rPr lang="en-IN" dirty="0" err="1"/>
+              <a:t>getTotalMarks</a:t>
+            </a:r>
+            <a:r>
+              <a:rPr lang="en-IN" dirty="0"/>
+              <a:t>())); same as</a:t>
+            </a:r>
+          </a:p>
+          <a:p>
+            <a:pPr marL="0" indent="0">
+              <a:buNone/>
+            </a:pPr>
+            <a:r>
+              <a:rPr lang="en-IN" dirty="0" smtClean="0"/>
+              <a:t>	</a:t>
+            </a:r>
+          </a:p>
+          <a:p>
+            <a:pPr marL="0" indent="0">
+              <a:buNone/>
+            </a:pPr>
+            <a:r>
+              <a:rPr lang="en-IN" dirty="0"/>
+              <a:t>	</a:t>
+            </a:r>
+            <a:r>
+              <a:rPr lang="en-IN" dirty="0" err="1" smtClean="0"/>
+              <a:t>students.sort</a:t>
+            </a:r>
+            <a:r>
+              <a:rPr lang="en-IN" dirty="0" smtClean="0"/>
+              <a:t>(comparing(Student</a:t>
             </a:r>
             <a:r>
               <a:rPr lang="en-IN" dirty="0"/>
@@ -14387,313 +14965,60 @@
             </a:r>
             <a:r>
               <a:rPr lang="en-IN" dirty="0" err="1"/>
-              <a:t>staticMethod</a:t>
-            </a:r>
-            <a:r>
-              <a:rPr lang="en-IN" dirty="0"/>
-              <a:t> A method reference to a static method of a class, an interface, or an </a:t>
-            </a:r>
-            <a:r>
-              <a:rPr lang="en-IN" dirty="0" err="1" smtClean="0"/>
-              <a:t>enum</a:t>
-            </a:r>
-            <a:r>
-              <a:rPr lang="en-IN" dirty="0" smtClean="0"/>
-              <a:t>.</a:t>
-            </a:r>
+              <a:t>getTotalMarks</a:t>
+            </a:r>
+            <a:r>
+              <a:rPr lang="en-IN" dirty="0"/>
+              <a:t>))</a:t>
+            </a:r>
+          </a:p>
+          <a:p>
+            <a:pPr marL="0" indent="0">
+              <a:buNone/>
+            </a:pPr>
+            <a:endParaRPr lang="en-IN" dirty="0" smtClean="0"/>
+          </a:p>
+          <a:p>
+            <a:pPr marL="0" indent="0">
+              <a:buNone/>
+            </a:pPr>
+            <a:endParaRPr lang="en-IN" dirty="0"/>
+          </a:p>
+          <a:p>
+            <a:pPr marL="457200" indent="-457200"/>
+            <a:endParaRPr lang="en-IN" dirty="0" smtClean="0"/>
+          </a:p>
+          <a:p>
+            <a:pPr marL="457200" indent="-457200"/>
+            <a:endParaRPr lang="en-IN" dirty="0" smtClean="0"/>
+          </a:p>
+          <a:p>
+            <a:pPr marL="0" indent="0">
+              <a:buNone/>
+            </a:pPr>
+            <a:endParaRPr lang="en-IN" dirty="0"/>
+          </a:p>
+          <a:p>
+            <a:pPr marL="0" indent="0">
+              <a:buNone/>
+            </a:pPr>
+            <a:endParaRPr lang="en-IN" dirty="0"/>
+          </a:p>
+          <a:p>
+            <a:pPr marL="0" indent="0">
+              <a:buNone/>
+            </a:pPr>
+            <a:endParaRPr lang="en-IN" dirty="0"/>
+          </a:p>
+          <a:p>
+            <a:pPr marL="0" indent="0">
+              <a:buNone/>
+            </a:pPr>
+            <a:endParaRPr lang="en-IN" dirty="0"/>
           </a:p>
           <a:p>
             <a:pPr marL="457200" indent="-457200"/>
             <a:endParaRPr lang="en-IN" dirty="0"/>
-          </a:p>
-          <a:p>
-            <a:pPr marL="457200" indent="-457200"/>
-            <a:r>
-              <a:rPr lang="en-IN" dirty="0" smtClean="0"/>
-              <a:t>Example 1</a:t>
-            </a:r>
-          </a:p>
-          <a:p>
-            <a:pPr marL="0" indent="0">
-              <a:buNone/>
-            </a:pPr>
-            <a:r>
-              <a:rPr lang="en-IN" dirty="0" smtClean="0"/>
-              <a:t>    	</a:t>
-            </a:r>
-            <a:r>
-              <a:rPr lang="sv-SE" dirty="0" smtClean="0"/>
-              <a:t> Function&lt;Integer</a:t>
-            </a:r>
-            <a:r>
-              <a:rPr lang="sv-SE" dirty="0"/>
-              <a:t>, String&gt; func1 = x -&gt; Integer.toBinaryString(x);</a:t>
-            </a:r>
-          </a:p>
-          <a:p>
-            <a:pPr marL="0" indent="0">
-              <a:buNone/>
-            </a:pPr>
-            <a:r>
-              <a:rPr lang="sv-SE" dirty="0"/>
-              <a:t>   </a:t>
-            </a:r>
-            <a:r>
-              <a:rPr lang="sv-SE" dirty="0" smtClean="0"/>
-              <a:t>	 </a:t>
-            </a:r>
-            <a:r>
-              <a:rPr lang="sv-SE" dirty="0"/>
-              <a:t>BiFunction&lt;Integer, Integer, Integer&gt; func2 = Integer::sum</a:t>
-            </a:r>
-            <a:r>
-              <a:rPr lang="sv-SE" dirty="0" smtClean="0"/>
-              <a:t>;</a:t>
-            </a:r>
-          </a:p>
-          <a:p>
-            <a:pPr marL="0" indent="0">
-              <a:buNone/>
-            </a:pPr>
-            <a:endParaRPr lang="sv-SE" dirty="0" smtClean="0"/>
-          </a:p>
-          <a:p>
-            <a:pPr marL="457200" indent="-457200"/>
-            <a:r>
-              <a:rPr lang="en-IN" dirty="0"/>
-              <a:t>Example </a:t>
-            </a:r>
-            <a:r>
-              <a:rPr lang="en-IN" dirty="0" smtClean="0"/>
-              <a:t>2</a:t>
-            </a:r>
-            <a:endParaRPr lang="en-IN" dirty="0"/>
-          </a:p>
-          <a:p>
-            <a:pPr marL="0" indent="0">
-              <a:buNone/>
-            </a:pPr>
-            <a:r>
-              <a:rPr lang="en-IN" dirty="0" smtClean="0"/>
-              <a:t> 	   </a:t>
-            </a:r>
-            <a:r>
-              <a:rPr lang="en-IN" dirty="0"/>
-              <a:t>static Integer </a:t>
-            </a:r>
-            <a:r>
-              <a:rPr lang="en-IN" dirty="0" err="1"/>
-              <a:t>valueOf</a:t>
-            </a:r>
-            <a:r>
-              <a:rPr lang="en-IN" dirty="0"/>
-              <a:t>(</a:t>
-            </a:r>
-            <a:r>
-              <a:rPr lang="en-IN" dirty="0" err="1"/>
-              <a:t>int</a:t>
-            </a:r>
-            <a:r>
-              <a:rPr lang="en-IN" dirty="0"/>
-              <a:t> </a:t>
-            </a:r>
-            <a:r>
-              <a:rPr lang="en-IN" dirty="0" err="1"/>
-              <a:t>i</a:t>
-            </a:r>
-            <a:r>
-              <a:rPr lang="en-IN" dirty="0"/>
-              <a:t>) </a:t>
-            </a:r>
-            <a:r>
-              <a:rPr lang="en-IN" dirty="0" smtClean="0"/>
-              <a:t>;   </a:t>
-            </a:r>
-            <a:endParaRPr lang="en-IN" dirty="0"/>
-          </a:p>
-          <a:p>
-            <a:pPr marL="0" indent="0">
-              <a:buNone/>
-            </a:pPr>
-            <a:r>
-              <a:rPr lang="en-IN" dirty="0" smtClean="0"/>
-              <a:t>	   </a:t>
-            </a:r>
-            <a:r>
-              <a:rPr lang="en-IN" dirty="0"/>
-              <a:t>Function&lt;Integer, Integer&gt; func1 = Integer::</a:t>
-            </a:r>
-            <a:r>
-              <a:rPr lang="en-IN" dirty="0" err="1"/>
-              <a:t>valueOf</a:t>
-            </a:r>
-            <a:r>
-              <a:rPr lang="en-IN" dirty="0"/>
-              <a:t>; </a:t>
-            </a:r>
-            <a:endParaRPr lang="en-IN" dirty="0" smtClean="0"/>
-          </a:p>
-          <a:p>
-            <a:pPr marL="0" indent="0">
-              <a:buNone/>
-            </a:pPr>
-            <a:endParaRPr lang="en-IN" dirty="0"/>
-          </a:p>
-          <a:p>
-            <a:pPr marL="457200" indent="-457200"/>
-            <a:r>
-              <a:rPr lang="en-IN" dirty="0"/>
-              <a:t>Example </a:t>
-            </a:r>
-            <a:r>
-              <a:rPr lang="en-IN" dirty="0" smtClean="0"/>
-              <a:t>3</a:t>
-            </a:r>
-            <a:endParaRPr lang="en-IN" dirty="0"/>
-          </a:p>
-          <a:p>
-            <a:pPr marL="0" indent="0">
-              <a:buNone/>
-            </a:pPr>
-            <a:r>
-              <a:rPr lang="en-IN" dirty="0" smtClean="0"/>
-              <a:t>  	 </a:t>
-            </a:r>
-            <a:r>
-              <a:rPr lang="en-IN" dirty="0"/>
-              <a:t>static Integer </a:t>
-            </a:r>
-            <a:r>
-              <a:rPr lang="en-IN" dirty="0" err="1"/>
-              <a:t>valueOf</a:t>
-            </a:r>
-            <a:r>
-              <a:rPr lang="en-IN" dirty="0"/>
-              <a:t>(String  s)  </a:t>
-            </a:r>
-          </a:p>
-          <a:p>
-            <a:pPr marL="0" indent="0">
-              <a:buNone/>
-            </a:pPr>
-            <a:r>
-              <a:rPr lang="en-IN" dirty="0"/>
-              <a:t>   </a:t>
-            </a:r>
-            <a:r>
-              <a:rPr lang="en-IN" dirty="0" smtClean="0"/>
-              <a:t>	</a:t>
-            </a:r>
-            <a:r>
-              <a:rPr lang="sv-SE" dirty="0" smtClean="0"/>
-              <a:t>Function&lt;String</a:t>
-            </a:r>
-            <a:r>
-              <a:rPr lang="sv-SE" dirty="0"/>
-              <a:t>, Integer&gt; func2 = Integer::valueOf; </a:t>
-            </a:r>
-          </a:p>
-          <a:p>
-            <a:pPr marL="0" indent="0">
-              <a:buNone/>
-            </a:pPr>
-            <a:r>
-              <a:rPr lang="en-IN" dirty="0" smtClean="0"/>
-              <a:t> </a:t>
-            </a:r>
-          </a:p>
-          <a:p>
-            <a:pPr marL="457200" indent="-457200"/>
-            <a:r>
-              <a:rPr lang="en-IN" dirty="0" smtClean="0"/>
-              <a:t>Example 4</a:t>
-            </a:r>
-            <a:endParaRPr lang="en-IN" dirty="0"/>
-          </a:p>
-          <a:p>
-            <a:pPr marL="0" indent="0">
-              <a:buNone/>
-            </a:pPr>
-            <a:r>
-              <a:rPr lang="en-IN" dirty="0" smtClean="0"/>
-              <a:t>   	 </a:t>
-            </a:r>
-            <a:r>
-              <a:rPr lang="en-IN" dirty="0"/>
-              <a:t>static List&lt;Person&gt; </a:t>
-            </a:r>
-            <a:r>
-              <a:rPr lang="en-IN" dirty="0" err="1"/>
-              <a:t>getPersons</a:t>
-            </a:r>
-            <a:r>
-              <a:rPr lang="en-IN" dirty="0"/>
-              <a:t>() </a:t>
-            </a:r>
-            <a:r>
-              <a:rPr lang="en-IN" dirty="0" smtClean="0"/>
-              <a:t>;</a:t>
-            </a:r>
-            <a:endParaRPr lang="en-IN" dirty="0"/>
-          </a:p>
-          <a:p>
-            <a:pPr marL="0" indent="0">
-              <a:buNone/>
-            </a:pPr>
-            <a:r>
-              <a:rPr lang="en-IN" dirty="0"/>
-              <a:t>  </a:t>
-            </a:r>
-            <a:r>
-              <a:rPr lang="en-IN" dirty="0" smtClean="0"/>
-              <a:t>	 </a:t>
-            </a:r>
-            <a:r>
-              <a:rPr lang="fr-FR" dirty="0"/>
-              <a:t>Supplier&lt;List&lt;Person&gt;&gt;supplier = Person::</a:t>
-            </a:r>
-            <a:r>
-              <a:rPr lang="fr-FR" dirty="0" err="1"/>
-              <a:t>getPersons</a:t>
-            </a:r>
-            <a:r>
-              <a:rPr lang="fr-FR" dirty="0"/>
-              <a:t>;   </a:t>
-            </a:r>
-          </a:p>
-          <a:p>
-            <a:pPr marL="0" indent="0">
-              <a:buNone/>
-            </a:pPr>
-            <a:r>
-              <a:rPr lang="fr-FR" dirty="0"/>
-              <a:t>  </a:t>
-            </a:r>
-            <a:r>
-              <a:rPr lang="fr-FR" dirty="0" smtClean="0"/>
-              <a:t>	 </a:t>
-            </a:r>
-            <a:r>
-              <a:rPr lang="fr-FR" dirty="0"/>
-              <a:t>List&lt;Person&gt; </a:t>
-            </a:r>
-            <a:r>
-              <a:rPr lang="fr-FR" dirty="0" err="1"/>
-              <a:t>personList</a:t>
-            </a:r>
-            <a:r>
-              <a:rPr lang="fr-FR" dirty="0"/>
-              <a:t> = </a:t>
-            </a:r>
-            <a:r>
-              <a:rPr lang="fr-FR" dirty="0" err="1"/>
-              <a:t>supplier.get</a:t>
-            </a:r>
-            <a:r>
-              <a:rPr lang="fr-FR" dirty="0" smtClean="0"/>
-              <a:t>();</a:t>
-            </a:r>
-            <a:endParaRPr lang="en-IN" dirty="0" smtClean="0"/>
           </a:p>
           <a:p>
             <a:endParaRPr lang="en-US" dirty="0"/>
@@ -14736,7 +15061,7 @@
     </p:spTree>
     <p:extLst>
       <p:ext uri="{BB962C8B-B14F-4D97-AF65-F5344CB8AC3E}">
-        <p14:creationId xmlns:p14="http://schemas.microsoft.com/office/powerpoint/2010/main" val="3806291606"/>
+        <p14:creationId xmlns:p14="http://schemas.microsoft.com/office/powerpoint/2010/main" val="639696763"/>
       </p:ext>
     </p:extLst>
   </p:cSld>
@@ -14800,48 +15125,184 @@
         </p:spPr>
         <p:txBody>
           <a:bodyPr>
-            <a:normAutofit fontScale="70000" lnSpcReduction="20000"/>
+            <a:normAutofit fontScale="62500" lnSpcReduction="20000"/>
           </a:bodyPr>
           <a:lstStyle/>
           <a:p>
             <a:pPr marL="457200" indent="-457200"/>
             <a:r>
+              <a:rPr lang="en-IN" dirty="0" err="1" smtClean="0"/>
+              <a:t>TypeName</a:t>
+            </a:r>
+            <a:r>
+              <a:rPr lang="en-IN" dirty="0"/>
+              <a:t>::</a:t>
+            </a:r>
+            <a:r>
               <a:rPr lang="en-IN" dirty="0" err="1"/>
-              <a:t>objectRef</a:t>
-            </a:r>
-            <a:r>
-              <a:rPr lang="en-IN" dirty="0"/>
-              <a:t>::</a:t>
+              <a:t>staticMethod</a:t>
+            </a:r>
+            <a:r>
+              <a:rPr lang="en-IN" dirty="0"/>
+              <a:t> A method reference to a static method of a class, an interface, or an </a:t>
+            </a:r>
+            <a:r>
+              <a:rPr lang="en-IN" dirty="0" err="1" smtClean="0"/>
+              <a:t>enum</a:t>
+            </a:r>
+            <a:r>
+              <a:rPr lang="en-IN" dirty="0" smtClean="0"/>
+              <a:t>.</a:t>
+            </a:r>
+          </a:p>
+          <a:p>
+            <a:pPr marL="457200" indent="-457200"/>
+            <a:endParaRPr lang="en-IN" dirty="0"/>
+          </a:p>
+          <a:p>
+            <a:pPr marL="457200" indent="-457200"/>
+            <a:r>
+              <a:rPr lang="en-IN" dirty="0" smtClean="0"/>
+              <a:t>Example 1</a:t>
+            </a:r>
+          </a:p>
+          <a:p>
+            <a:pPr marL="0" indent="0">
+              <a:buNone/>
+            </a:pPr>
+            <a:r>
+              <a:rPr lang="en-IN" dirty="0" smtClean="0"/>
+              <a:t>    	</a:t>
+            </a:r>
+            <a:r>
+              <a:rPr lang="sv-SE" dirty="0" smtClean="0"/>
+              <a:t> Function&lt;Integer</a:t>
+            </a:r>
+            <a:r>
+              <a:rPr lang="sv-SE" dirty="0"/>
+              <a:t>, String&gt; func1 = x -&gt; Integer.toBinaryString(x);</a:t>
+            </a:r>
+          </a:p>
+          <a:p>
+            <a:pPr marL="0" indent="0">
+              <a:buNone/>
+            </a:pPr>
+            <a:r>
+              <a:rPr lang="sv-SE" dirty="0"/>
+              <a:t>   </a:t>
+            </a:r>
+            <a:r>
+              <a:rPr lang="sv-SE" dirty="0" smtClean="0"/>
+              <a:t>	 </a:t>
+            </a:r>
+            <a:r>
+              <a:rPr lang="sv-SE" dirty="0"/>
+              <a:t>BiFunction&lt;Integer, Integer, Integer&gt; func2 = Integer::sum</a:t>
+            </a:r>
+            <a:r>
+              <a:rPr lang="sv-SE" dirty="0" smtClean="0"/>
+              <a:t>;</a:t>
+            </a:r>
+          </a:p>
+          <a:p>
+            <a:pPr marL="0" indent="0">
+              <a:buNone/>
+            </a:pPr>
+            <a:endParaRPr lang="sv-SE" dirty="0" smtClean="0"/>
+          </a:p>
+          <a:p>
+            <a:pPr marL="457200" indent="-457200"/>
+            <a:r>
+              <a:rPr lang="en-IN" dirty="0"/>
+              <a:t>Example </a:t>
+            </a:r>
+            <a:r>
+              <a:rPr lang="en-IN" dirty="0" smtClean="0"/>
+              <a:t>2</a:t>
+            </a:r>
+            <a:endParaRPr lang="en-IN" dirty="0"/>
+          </a:p>
+          <a:p>
+            <a:pPr marL="0" indent="0">
+              <a:buNone/>
+            </a:pPr>
+            <a:r>
+              <a:rPr lang="en-IN" dirty="0" smtClean="0"/>
+              <a:t> 	   </a:t>
+            </a:r>
+            <a:r>
+              <a:rPr lang="en-IN" dirty="0"/>
+              <a:t>static Integer </a:t>
             </a:r>
             <a:r>
               <a:rPr lang="en-IN" dirty="0" err="1"/>
-              <a:t>instanceMethod</a:t>
-            </a:r>
-            <a:r>
-              <a:rPr lang="en-IN" dirty="0"/>
-              <a:t> A method reference to an instance method of the specified object – </a:t>
-            </a:r>
-            <a:r>
-              <a:rPr lang="en-IN" dirty="0" smtClean="0"/>
-              <a:t>bounded receiver. </a:t>
-            </a:r>
-            <a:r>
-              <a:rPr lang="en-IN" dirty="0"/>
-              <a:t>An instance method is invoked on an object's reference. The object reference on which an instance method is invoked is known as the receiver of the method invocation. The receiver of a method invocation can be an object reference or an expression that evaluates to an object's reference</a:t>
-            </a:r>
+              <a:t>valueOf</a:t>
+            </a:r>
+            <a:r>
+              <a:rPr lang="en-IN" dirty="0"/>
+              <a:t>(</a:t>
+            </a:r>
+            <a:r>
+              <a:rPr lang="en-IN" dirty="0" err="1"/>
+              <a:t>int</a:t>
+            </a:r>
+            <a:r>
+              <a:rPr lang="en-IN" dirty="0"/>
+              <a:t> </a:t>
+            </a:r>
+            <a:r>
+              <a:rPr lang="en-IN" dirty="0" err="1"/>
+              <a:t>i</a:t>
+            </a:r>
+            <a:r>
+              <a:rPr lang="en-IN" dirty="0"/>
+              <a:t>) </a:t>
+            </a:r>
+            <a:r>
+              <a:rPr lang="en-IN" dirty="0" smtClean="0"/>
+              <a:t>;   </a:t>
+            </a:r>
+            <a:endParaRPr lang="en-IN" dirty="0"/>
           </a:p>
           <a:p>
             <a:pPr marL="0" indent="0">
               <a:buNone/>
             </a:pPr>
+            <a:r>
+              <a:rPr lang="en-IN" dirty="0" smtClean="0"/>
+              <a:t>	   </a:t>
+            </a:r>
+            <a:r>
+              <a:rPr lang="en-IN" dirty="0"/>
+              <a:t>Function&lt;Integer, Integer&gt; func1 = Integer::</a:t>
+            </a:r>
+            <a:r>
+              <a:rPr lang="en-IN" dirty="0" err="1"/>
+              <a:t>valueOf</a:t>
+            </a:r>
+            <a:r>
+              <a:rPr lang="en-IN" dirty="0"/>
+              <a:t>; </a:t>
+            </a:r>
+            <a:endParaRPr lang="en-IN" dirty="0" smtClean="0"/>
+          </a:p>
+          <a:p>
+            <a:pPr marL="0" indent="0">
+              <a:buNone/>
+            </a:pPr>
             <a:endParaRPr lang="en-IN" dirty="0"/>
           </a:p>
           <a:p>
             <a:pPr marL="457200" indent="-457200"/>
             <a:r>
-              <a:rPr lang="en-IN" dirty="0" smtClean="0"/>
-              <a:t>Example 1</a:t>
-            </a:r>
+              <a:rPr lang="en-IN" dirty="0"/>
+              <a:t>Example </a:t>
+            </a:r>
+            <a:r>
+              <a:rPr lang="en-IN" dirty="0" smtClean="0"/>
+              <a:t>3</a:t>
+            </a:r>
+            <a:endParaRPr lang="en-IN" dirty="0"/>
           </a:p>
           <a:p>
             <a:pPr marL="0" indent="0">
@@ -14849,23 +15310,56 @@
             </a:pPr>
             <a:r>
               <a:rPr lang="en-IN" dirty="0" smtClean="0"/>
-              <a:t>    	 Supplier&lt;Integer</a:t>
-            </a:r>
-            <a:r>
-              <a:rPr lang="en-IN" dirty="0"/>
-              <a:t>&gt; supplier = () -&gt; "</a:t>
+              <a:t>  	 </a:t>
+            </a:r>
+            <a:r>
+              <a:rPr lang="en-IN" dirty="0"/>
+              <a:t>static Integer </a:t>
             </a:r>
             <a:r>
               <a:rPr lang="en-IN" dirty="0" err="1"/>
-              <a:t>Ellen".length</a:t>
-            </a:r>
-            <a:r>
-              <a:rPr lang="en-IN" dirty="0"/>
-              <a:t>(); </a:t>
-            </a:r>
-            <a:r>
-              <a:rPr lang="en-IN" dirty="0" smtClean="0"/>
-              <a:t>  can be represent bellow.</a:t>
+              <a:t>valueOf</a:t>
+            </a:r>
+            <a:r>
+              <a:rPr lang="en-IN" dirty="0"/>
+              <a:t>(String  s)  </a:t>
+            </a:r>
+          </a:p>
+          <a:p>
+            <a:pPr marL="0" indent="0">
+              <a:buNone/>
+            </a:pPr>
+            <a:r>
+              <a:rPr lang="en-IN" dirty="0"/>
+              <a:t>   </a:t>
+            </a:r>
+            <a:r>
+              <a:rPr lang="en-IN" dirty="0" smtClean="0"/>
+              <a:t>	</a:t>
+            </a:r>
+            <a:r>
+              <a:rPr lang="sv-SE" dirty="0" smtClean="0"/>
+              <a:t>Function&lt;String</a:t>
+            </a:r>
+            <a:r>
+              <a:rPr lang="sv-SE" dirty="0"/>
+              <a:t>, Integer&gt; func2 = Integer::valueOf; </a:t>
+            </a:r>
+          </a:p>
+          <a:p>
+            <a:pPr marL="0" indent="0">
+              <a:buNone/>
+            </a:pPr>
+            <a:r>
+              <a:rPr lang="en-IN" dirty="0" smtClean="0"/>
+              <a:t> </a:t>
+            </a:r>
+          </a:p>
+          <a:p>
+            <a:pPr marL="457200" indent="-457200"/>
+            <a:r>
+              <a:rPr lang="en-IN" dirty="0" smtClean="0"/>
+              <a:t>Example 4</a:t>
             </a:r>
             <a:endParaRPr lang="en-IN" dirty="0"/>
           </a:p>
@@ -14874,146 +15368,85 @@
               <a:buNone/>
             </a:pPr>
             <a:r>
-              <a:rPr lang="sv-SE" dirty="0" smtClean="0"/>
+              <a:rPr lang="en-IN" dirty="0" smtClean="0"/>
               <a:t>   	 </a:t>
             </a:r>
             <a:r>
               <a:rPr lang="en-IN" dirty="0"/>
-              <a:t>Supplier&lt;Integer&gt; supplier = "Ellen"::length; </a:t>
-            </a:r>
-            <a:r>
-              <a:rPr lang="en-IN" dirty="0" smtClean="0"/>
-              <a:t>    //  </a:t>
-            </a:r>
-            <a:r>
-              <a:rPr lang="en-IN" dirty="0"/>
-              <a:t>Ellen is bounded receiver.</a:t>
-            </a:r>
+              <a:t>static List&lt;Person&gt; </a:t>
+            </a:r>
+            <a:r>
+              <a:rPr lang="en-IN" dirty="0" err="1"/>
+              <a:t>getPersons</a:t>
+            </a:r>
+            <a:r>
+              <a:rPr lang="en-IN" dirty="0"/>
+              <a:t>() </a:t>
+            </a:r>
+            <a:r>
+              <a:rPr lang="en-IN" dirty="0" smtClean="0"/>
+              <a:t>;</a:t>
+            </a:r>
+            <a:endParaRPr lang="en-IN" dirty="0"/>
           </a:p>
           <a:p>
             <a:pPr marL="0" indent="0">
               <a:buNone/>
             </a:pPr>
-            <a:endParaRPr lang="sv-SE" dirty="0" smtClean="0"/>
-          </a:p>
-          <a:p>
-            <a:pPr marL="457200" indent="-457200"/>
-            <a:r>
-              <a:rPr lang="en-IN" dirty="0"/>
-              <a:t>Example </a:t>
-            </a:r>
-            <a:r>
-              <a:rPr lang="en-IN" dirty="0" smtClean="0"/>
-              <a:t>2</a:t>
-            </a:r>
-            <a:endParaRPr lang="en-IN" dirty="0"/>
+            <a:r>
+              <a:rPr lang="en-IN" dirty="0"/>
+              <a:t>  </a:t>
+            </a:r>
+            <a:r>
+              <a:rPr lang="en-IN" dirty="0" smtClean="0"/>
+              <a:t>	 </a:t>
+            </a:r>
+            <a:r>
+              <a:rPr lang="fr-FR" dirty="0"/>
+              <a:t>Supplier&lt;List&lt;Person&gt;&gt;supplier = Person::</a:t>
+            </a:r>
+            <a:r>
+              <a:rPr lang="fr-FR" dirty="0" err="1"/>
+              <a:t>getPersons</a:t>
+            </a:r>
+            <a:r>
+              <a:rPr lang="fr-FR" dirty="0"/>
+              <a:t>;   </a:t>
+            </a:r>
           </a:p>
           <a:p>
             <a:pPr marL="0" indent="0">
               <a:buNone/>
             </a:pPr>
             <a:r>
-              <a:rPr lang="en-IN" dirty="0" smtClean="0"/>
-              <a:t> 	   </a:t>
-            </a:r>
-            <a:r>
-              <a:rPr lang="en-IN" dirty="0"/>
-              <a:t>Consumer&lt;String&gt; consumer = </a:t>
-            </a:r>
-            <a:r>
-              <a:rPr lang="en-IN" dirty="0" err="1"/>
-              <a:t>str</a:t>
-            </a:r>
-            <a:r>
-              <a:rPr lang="en-IN" dirty="0"/>
-              <a:t> -&gt; </a:t>
-            </a:r>
-            <a:r>
-              <a:rPr lang="en-IN" dirty="0" err="1" smtClean="0"/>
-              <a:t>System.out</a:t>
-            </a:r>
-            <a:r>
-              <a:rPr lang="en-IN" dirty="0" smtClean="0"/>
-              <a:t>::</a:t>
-            </a:r>
-            <a:r>
-              <a:rPr lang="en-IN" dirty="0" err="1" smtClean="0"/>
-              <a:t>println</a:t>
-            </a:r>
-            <a:r>
-              <a:rPr lang="en-IN" dirty="0" smtClean="0"/>
-              <a:t>(</a:t>
-            </a:r>
-            <a:r>
-              <a:rPr lang="en-IN" dirty="0" err="1" smtClean="0"/>
-              <a:t>str</a:t>
-            </a:r>
-            <a:r>
-              <a:rPr lang="en-IN" dirty="0"/>
-              <a:t>); </a:t>
+              <a:rPr lang="fr-FR" dirty="0"/>
+              <a:t>  </a:t>
+            </a:r>
+            <a:r>
+              <a:rPr lang="fr-FR" dirty="0" smtClean="0"/>
+              <a:t>	 </a:t>
+            </a:r>
+            <a:r>
+              <a:rPr lang="fr-FR" dirty="0"/>
+              <a:t>List&lt;Person&gt; </a:t>
+            </a:r>
+            <a:r>
+              <a:rPr lang="fr-FR" dirty="0" err="1"/>
+              <a:t>personList</a:t>
+            </a:r>
+            <a:r>
+              <a:rPr lang="fr-FR" dirty="0"/>
+              <a:t> = </a:t>
+            </a:r>
+            <a:r>
+              <a:rPr lang="fr-FR" dirty="0" err="1"/>
+              <a:t>supplier.get</a:t>
+            </a:r>
+            <a:r>
+              <a:rPr lang="fr-FR" dirty="0" smtClean="0"/>
+              <a:t>();</a:t>
             </a:r>
             <a:endParaRPr lang="en-IN" dirty="0" smtClean="0"/>
-          </a:p>
-          <a:p>
-            <a:pPr marL="0" indent="0">
-              <a:buNone/>
-            </a:pPr>
-            <a:endParaRPr lang="en-IN" dirty="0" smtClean="0"/>
-          </a:p>
-          <a:p>
-            <a:pPr marL="457200" indent="-457200"/>
-            <a:r>
-              <a:rPr lang="en-IN" sz="2900" dirty="0" smtClean="0"/>
-              <a:t>When </a:t>
-            </a:r>
-            <a:r>
-              <a:rPr lang="en-IN" sz="2900" dirty="0"/>
-              <a:t>the method reference </a:t>
-            </a:r>
-            <a:r>
-              <a:rPr lang="en-IN" sz="2900" dirty="0" err="1"/>
-              <a:t>System.out</a:t>
-            </a:r>
-            <a:r>
-              <a:rPr lang="en-IN" sz="2900" dirty="0"/>
-              <a:t>::</a:t>
-            </a:r>
-            <a:r>
-              <a:rPr lang="en-IN" sz="2900" dirty="0" err="1"/>
-              <a:t>println</a:t>
-            </a:r>
-            <a:r>
-              <a:rPr lang="en-IN" sz="2900" dirty="0"/>
-              <a:t> is used, the compiler looks at its target type, which is Consumer&lt;String&gt; that represents a function type that takes a 	String as an argument and returns void. The compiler finds a </a:t>
-            </a:r>
-            <a:r>
-              <a:rPr lang="en-IN" sz="2900" dirty="0" err="1"/>
-              <a:t>println</a:t>
-            </a:r>
-            <a:r>
-              <a:rPr lang="en-IN" sz="2900" dirty="0"/>
-              <a:t>(String) method in the </a:t>
-            </a:r>
-            <a:r>
-              <a:rPr lang="en-IN" sz="2900" dirty="0" err="1"/>
-              <a:t>PrintStream</a:t>
-            </a:r>
-            <a:r>
-              <a:rPr lang="en-IN" sz="2900" dirty="0"/>
-              <a:t> class of the </a:t>
-            </a:r>
-            <a:r>
-              <a:rPr lang="en-IN" sz="2900" dirty="0" err="1"/>
-              <a:t>System.out</a:t>
-            </a:r>
-            <a:r>
-              <a:rPr lang="en-IN" sz="2900" dirty="0"/>
-              <a:t> object and uses that method for the method reference. </a:t>
-            </a:r>
-            <a:r>
-              <a:rPr lang="en-IN" dirty="0" smtClean="0"/>
-              <a:t> </a:t>
-            </a:r>
           </a:p>
           <a:p>
             <a:endParaRPr lang="en-US" dirty="0"/>
@@ -15056,7 +15489,7 @@
     </p:spTree>
     <p:extLst>
       <p:ext uri="{BB962C8B-B14F-4D97-AF65-F5344CB8AC3E}">
-        <p14:creationId xmlns:p14="http://schemas.microsoft.com/office/powerpoint/2010/main" val="2460206016"/>
+        <p14:creationId xmlns:p14="http://schemas.microsoft.com/office/powerpoint/2010/main" val="3806291606"/>
       </p:ext>
     </p:extLst>
   </p:cSld>
@@ -15120,18 +15553,137 @@
         </p:spPr>
         <p:txBody>
           <a:bodyPr>
-            <a:normAutofit fontScale="55000" lnSpcReduction="20000"/>
+            <a:normAutofit fontScale="70000" lnSpcReduction="20000"/>
           </a:bodyPr>
           <a:lstStyle/>
           <a:p>
             <a:pPr marL="457200" indent="-457200"/>
             <a:r>
-              <a:rPr lang="en-IN" dirty="0" smtClean="0"/>
-              <a:t>Specifying the receiver of the method invocation implicitly called unbounded receiver.  For an unbound receiver, use the </a:t>
+              <a:rPr lang="en-IN" dirty="0" err="1"/>
+              <a:t>objectRef</a:t>
+            </a:r>
+            <a:r>
+              <a:rPr lang="en-IN" dirty="0"/>
+              <a:t>::</a:t>
+            </a:r>
+            <a:r>
+              <a:rPr lang="en-IN" dirty="0" err="1"/>
+              <a:t>instanceMethod</a:t>
+            </a:r>
+            <a:r>
+              <a:rPr lang="en-IN" dirty="0"/>
+              <a:t> A method reference to an instance method of the specified object – </a:t>
+            </a:r>
+            <a:r>
+              <a:rPr lang="en-IN" dirty="0" smtClean="0"/>
+              <a:t>bounded receiver. </a:t>
+            </a:r>
+            <a:r>
+              <a:rPr lang="en-IN" dirty="0"/>
+              <a:t>An instance method is invoked on an object's reference. The object reference on which an instance method is invoked is known as the receiver of the method invocation. The receiver of a method invocation can be an object reference or an expression that evaluates to an object's reference</a:t>
+            </a:r>
+          </a:p>
+          <a:p>
+            <a:pPr marL="0" indent="0">
+              <a:buNone/>
+            </a:pPr>
+            <a:endParaRPr lang="en-IN" dirty="0"/>
+          </a:p>
+          <a:p>
+            <a:pPr marL="457200" indent="-457200"/>
+            <a:r>
+              <a:rPr lang="en-IN" dirty="0" smtClean="0"/>
+              <a:t>Example 1</a:t>
+            </a:r>
+          </a:p>
+          <a:p>
+            <a:pPr marL="0" indent="0">
+              <a:buNone/>
+            </a:pPr>
+            <a:r>
+              <a:rPr lang="en-IN" dirty="0" smtClean="0"/>
+              <a:t>    	 Supplier&lt;Integer</a:t>
+            </a:r>
+            <a:r>
+              <a:rPr lang="en-IN" dirty="0"/>
+              <a:t>&gt; supplier = () -&gt; "</a:t>
+            </a:r>
+            <a:r>
+              <a:rPr lang="en-IN" dirty="0" err="1"/>
+              <a:t>Ellen".length</a:t>
+            </a:r>
+            <a:r>
+              <a:rPr lang="en-IN" dirty="0"/>
+              <a:t>(); </a:t>
+            </a:r>
+            <a:r>
+              <a:rPr lang="en-IN" dirty="0" smtClean="0"/>
+              <a:t>  can be represent bellow.</a:t>
+            </a:r>
+            <a:endParaRPr lang="en-IN" dirty="0"/>
+          </a:p>
+          <a:p>
+            <a:pPr marL="0" indent="0">
+              <a:buNone/>
+            </a:pPr>
+            <a:r>
+              <a:rPr lang="sv-SE" dirty="0" smtClean="0"/>
+              <a:t>   	 </a:t>
+            </a:r>
+            <a:r>
+              <a:rPr lang="en-IN" dirty="0"/>
+              <a:t>Supplier&lt;Integer&gt; supplier = "Ellen"::length; </a:t>
+            </a:r>
+            <a:r>
+              <a:rPr lang="en-IN" dirty="0" smtClean="0"/>
+              <a:t>    //  </a:t>
+            </a:r>
+            <a:r>
+              <a:rPr lang="en-IN" dirty="0"/>
+              <a:t>Ellen is bounded receiver.</a:t>
+            </a:r>
+          </a:p>
+          <a:p>
+            <a:pPr marL="0" indent="0">
+              <a:buNone/>
+            </a:pPr>
+            <a:endParaRPr lang="sv-SE" dirty="0" smtClean="0"/>
+          </a:p>
+          <a:p>
+            <a:pPr marL="457200" indent="-457200"/>
+            <a:r>
+              <a:rPr lang="en-IN" dirty="0"/>
+              <a:t>Example </a:t>
+            </a:r>
+            <a:r>
+              <a:rPr lang="en-IN" dirty="0" smtClean="0"/>
+              <a:t>2</a:t>
+            </a:r>
+            <a:endParaRPr lang="en-IN" dirty="0"/>
+          </a:p>
+          <a:p>
+            <a:pPr marL="0" indent="0">
+              <a:buNone/>
+            </a:pPr>
+            <a:r>
+              <a:rPr lang="en-IN" dirty="0" smtClean="0"/>
+              <a:t> 	   </a:t>
+            </a:r>
+            <a:r>
+              <a:rPr lang="en-IN" dirty="0"/>
+              <a:t>Consumer&lt;String&gt; consumer = </a:t>
+            </a:r>
+            <a:r>
+              <a:rPr lang="en-IN" dirty="0" err="1"/>
+              <a:t>str</a:t>
+            </a:r>
+            <a:r>
+              <a:rPr lang="en-IN" dirty="0"/>
+              <a:t> -&gt; </a:t>
             </a:r>
             <a:r>
               <a:rPr lang="en-IN" dirty="0" err="1" smtClean="0"/>
-              <a:t>ClassName</a:t>
+              <a:t>System.out</a:t>
             </a:r>
             <a:r>
               <a:rPr lang="en-IN" dirty="0" smtClean="0"/>
@@ -15139,310 +15691,82 @@
             </a:r>
             <a:r>
               <a:rPr lang="en-IN" dirty="0" err="1" smtClean="0"/>
-              <a:t>instanceMethod</a:t>
-            </a:r>
-            <a:r>
-              <a:rPr lang="en-IN" dirty="0" smtClean="0"/>
-              <a:t> syntax. </a:t>
-            </a:r>
+              <a:t>println</a:t>
+            </a:r>
+            <a:r>
+              <a:rPr lang="en-IN" dirty="0" smtClean="0"/>
+              <a:t>(</a:t>
+            </a:r>
+            <a:r>
+              <a:rPr lang="en-IN" dirty="0" err="1" smtClean="0"/>
+              <a:t>str</a:t>
+            </a:r>
+            <a:r>
+              <a:rPr lang="en-IN" dirty="0"/>
+              <a:t>); </a:t>
+            </a:r>
+            <a:endParaRPr lang="en-IN" dirty="0" smtClean="0"/>
           </a:p>
           <a:p>
             <a:pPr marL="0" indent="0">
               <a:buNone/>
             </a:pPr>
-            <a:r>
-              <a:rPr lang="en-IN" dirty="0" smtClean="0"/>
-              <a:t>	 </a:t>
-            </a:r>
+            <a:endParaRPr lang="en-IN" dirty="0" smtClean="0"/>
           </a:p>
           <a:p>
             <a:pPr marL="457200" indent="-457200"/>
             <a:r>
-              <a:rPr lang="en-IN" dirty="0" smtClean="0"/>
-              <a:t>Example 1</a:t>
-            </a:r>
-          </a:p>
-          <a:p>
-            <a:pPr marL="0" indent="0">
-              <a:buNone/>
-            </a:pPr>
-            <a:r>
-              <a:rPr lang="en-IN" dirty="0" smtClean="0"/>
-              <a:t>   	 Function&lt;Person, String&gt; </a:t>
-            </a:r>
-            <a:r>
-              <a:rPr lang="en-IN" dirty="0" err="1" smtClean="0"/>
-              <a:t>fNameFunc</a:t>
-            </a:r>
-            <a:r>
-              <a:rPr lang="en-IN" dirty="0" smtClean="0"/>
-              <a:t> = Person::</a:t>
-            </a:r>
-            <a:r>
-              <a:rPr lang="en-IN" dirty="0" err="1" smtClean="0"/>
-              <a:t>getFirstName</a:t>
-            </a:r>
-            <a:r>
-              <a:rPr lang="en-IN" dirty="0" smtClean="0"/>
-              <a:t>;</a:t>
-            </a:r>
-          </a:p>
-          <a:p>
-            <a:pPr marL="0" indent="0">
-              <a:buNone/>
-            </a:pPr>
-            <a:r>
-              <a:rPr lang="en-IN" dirty="0" smtClean="0"/>
-              <a:t>	 Function&lt;String, Integer&gt; </a:t>
-            </a:r>
-            <a:r>
-              <a:rPr lang="en-IN" dirty="0" err="1" smtClean="0"/>
-              <a:t>strLengthFunc</a:t>
-            </a:r>
-            <a:r>
-              <a:rPr lang="en-IN" dirty="0" smtClean="0"/>
-              <a:t> = String::length; </a:t>
-            </a:r>
-          </a:p>
-          <a:p>
-            <a:pPr marL="0" indent="0">
-              <a:buNone/>
-            </a:pPr>
-            <a:endParaRPr lang="en-IN" dirty="0" smtClean="0"/>
-          </a:p>
-          <a:p>
-            <a:pPr marL="457200" indent="-457200"/>
-            <a:r>
-              <a:rPr lang="en-IN" dirty="0" smtClean="0"/>
-              <a:t>The receiver object in the example of String::length is a String object that is used when the length method is invoked via the method reference.  Obviously, the method reference String::length does not </a:t>
-            </a:r>
-            <a:r>
-              <a:rPr lang="en-IN" dirty="0" err="1" smtClean="0"/>
-              <a:t>specifiy</a:t>
-            </a:r>
-            <a:r>
-              <a:rPr lang="en-IN" dirty="0" smtClean="0"/>
-              <a:t> any particular string object as the receiver.  This is why we talk of an unbound receiver.</a:t>
-            </a:r>
-          </a:p>
-          <a:p>
-            <a:pPr marL="457200" indent="-457200"/>
-            <a:endParaRPr lang="en-IN" dirty="0" smtClean="0"/>
-          </a:p>
-          <a:p>
-            <a:pPr marL="457200" indent="-457200"/>
-            <a:r>
-              <a:rPr lang="en-IN" dirty="0" smtClean="0"/>
-              <a:t>Constructor reference</a:t>
-            </a:r>
-          </a:p>
-          <a:p>
-            <a:pPr marL="0" indent="0">
-              <a:buNone/>
-            </a:pPr>
-            <a:r>
-              <a:rPr lang="en-IN" dirty="0" smtClean="0"/>
-              <a:t>	String::new same as () -&gt; new String() </a:t>
-            </a:r>
-          </a:p>
-          <a:p>
-            <a:pPr marL="0" indent="0">
-              <a:buNone/>
-            </a:pPr>
-            <a:r>
-              <a:rPr lang="en-IN" dirty="0" smtClean="0"/>
-              <a:t>	</a:t>
-            </a:r>
-            <a:r>
-              <a:rPr lang="en-IN" dirty="0" err="1" smtClean="0"/>
-              <a:t>ArrayList</a:t>
-            </a:r>
-            <a:r>
-              <a:rPr lang="en-IN" dirty="0" smtClean="0"/>
-              <a:t>&lt;String&gt;::new </a:t>
-            </a:r>
-          </a:p>
-          <a:p>
-            <a:pPr marL="0" indent="0">
-              <a:buNone/>
-            </a:pPr>
-            <a:r>
-              <a:rPr lang="en-IN" dirty="0" smtClean="0"/>
-              <a:t>	String[]::new </a:t>
-            </a:r>
-          </a:p>
-          <a:p>
-            <a:pPr marL="0" indent="0">
-              <a:buNone/>
-            </a:pPr>
-            <a:r>
-              <a:rPr lang="en-IN" dirty="0" smtClean="0"/>
-              <a:t>	</a:t>
-            </a:r>
-            <a:r>
-              <a:rPr lang="en-IN" dirty="0" err="1" smtClean="0"/>
-              <a:t>int</a:t>
-            </a:r>
-            <a:r>
-              <a:rPr lang="en-IN" dirty="0" smtClean="0"/>
-              <a:t>[]::new </a:t>
-            </a:r>
-          </a:p>
-          <a:p>
-            <a:pPr marL="0" indent="0">
-              <a:buNone/>
-            </a:pPr>
-            <a:r>
-              <a:rPr lang="en-IN" dirty="0" smtClean="0"/>
-              <a:t>	 Tuple&lt;String&gt;::&lt;String&gt;new // generic </a:t>
-            </a:r>
-          </a:p>
-          <a:p>
-            <a:pPr marL="0" indent="0">
-              <a:buNone/>
-            </a:pPr>
-            <a:endParaRPr lang="en-IN" dirty="0" smtClean="0"/>
-          </a:p>
-          <a:p>
-            <a:pPr marL="457200" indent="-457200"/>
-            <a:r>
-              <a:rPr lang="en-IN" dirty="0" smtClean="0"/>
-              <a:t>The compiler picks the right constructor depending on the context in which the constructor 	reference appears.</a:t>
-            </a:r>
-          </a:p>
-          <a:p>
-            <a:pPr marL="109728" indent="0">
-              <a:buNone/>
-            </a:pPr>
-            <a:r>
-              <a:rPr lang="en-IN" dirty="0" smtClean="0"/>
-              <a:t>	</a:t>
-            </a:r>
-            <a:r>
-              <a:rPr lang="en-IN" dirty="0" err="1" smtClean="0"/>
-              <a:t>MyString</a:t>
+              <a:rPr lang="en-IN" sz="2900" dirty="0" smtClean="0"/>
+              <a:t>When </a:t>
+            </a:r>
+            <a:r>
+              <a:rPr lang="en-IN" sz="2900" dirty="0"/>
+              <a:t>the method reference </a:t>
+            </a:r>
+            <a:r>
+              <a:rPr lang="en-IN" sz="2900" dirty="0" err="1"/>
+              <a:t>System.out</a:t>
+            </a:r>
+            <a:r>
+              <a:rPr lang="en-IN" sz="2900" dirty="0"/>
+              <a:t>::</a:t>
+            </a:r>
+            <a:r>
+              <a:rPr lang="en-IN" sz="2900" dirty="0" err="1"/>
+              <a:t>println</a:t>
+            </a:r>
+            <a:r>
+              <a:rPr lang="en-IN" sz="2900" dirty="0"/>
+              <a:t> is used, the compiler looks at its target type, which is Consumer&lt;String&gt; that represents a function type that takes a 	String as an argument and returns void. The compiler finds a </a:t>
+            </a:r>
+            <a:r>
+              <a:rPr lang="en-IN" sz="2900" dirty="0" err="1"/>
+              <a:t>println</a:t>
+            </a:r>
+            <a:r>
+              <a:rPr lang="en-IN" sz="2900" dirty="0"/>
+              <a:t>(String) method in the </a:t>
+            </a:r>
+            <a:r>
+              <a:rPr lang="en-IN" sz="2900" dirty="0" err="1"/>
+              <a:t>PrintStream</a:t>
+            </a:r>
+            <a:r>
+              <a:rPr lang="en-IN" sz="2900" dirty="0"/>
+              <a:t> class of the </a:t>
+            </a:r>
+            <a:r>
+              <a:rPr lang="en-IN" sz="2900" dirty="0" err="1"/>
+              <a:t>System.out</a:t>
+            </a:r>
+            <a:r>
+              <a:rPr lang="en-IN" sz="2900" dirty="0"/>
+              <a:t> object and uses that method for the method reference. </a:t>
             </a:r>
             <a:r>
               <a:rPr lang="en-IN" dirty="0" smtClean="0"/>
               <a:t> </a:t>
             </a:r>
-            <a:r>
-              <a:rPr lang="en-IN" dirty="0" err="1"/>
-              <a:t>mystr</a:t>
-            </a:r>
-            <a:r>
-              <a:rPr lang="en-IN" dirty="0"/>
-              <a:t> = String</a:t>
-            </a:r>
-            <a:r>
-              <a:rPr lang="en-IN" dirty="0" smtClean="0"/>
-              <a:t>::</a:t>
-            </a:r>
-            <a:r>
-              <a:rPr lang="en-IN" b="1" dirty="0" smtClean="0"/>
-              <a:t>new</a:t>
-            </a:r>
-            <a:r>
-              <a:rPr lang="en-IN" dirty="0" smtClean="0"/>
-              <a:t>;    // line 1  pick constructor String(char []) based on line 3 </a:t>
-            </a:r>
-            <a:endParaRPr lang="en-IN" dirty="0"/>
-          </a:p>
-          <a:p>
-            <a:pPr marL="109728" indent="0">
-              <a:buNone/>
-            </a:pPr>
-            <a:r>
-              <a:rPr lang="en-IN" dirty="0" smtClean="0"/>
-              <a:t>	char</a:t>
-            </a:r>
-            <a:r>
-              <a:rPr lang="en-IN" dirty="0"/>
-              <a:t>[] </a:t>
-            </a:r>
-            <a:r>
-              <a:rPr lang="en-IN" dirty="0" err="1"/>
-              <a:t>charArray</a:t>
-            </a:r>
-            <a:r>
-              <a:rPr lang="en-IN" dirty="0"/>
-              <a:t> = {'</a:t>
-            </a:r>
-            <a:r>
-              <a:rPr lang="en-IN" dirty="0" err="1"/>
-              <a:t>e','v','o','n','t','e','c','h','n','o','l','o','g','y</a:t>
-            </a:r>
-            <a:r>
-              <a:rPr lang="en-IN" dirty="0" smtClean="0"/>
-              <a:t>'}; // line 2</a:t>
-            </a:r>
-            <a:endParaRPr lang="en-IN" dirty="0"/>
-          </a:p>
-          <a:p>
-            <a:pPr marL="109728" indent="0">
-              <a:buNone/>
-            </a:pPr>
-            <a:r>
-              <a:rPr lang="en-IN" dirty="0" smtClean="0"/>
-              <a:t>	</a:t>
-            </a:r>
-            <a:r>
-              <a:rPr lang="en-IN" dirty="0" err="1" smtClean="0"/>
-              <a:t>System.out.println</a:t>
-            </a:r>
-            <a:r>
-              <a:rPr lang="en-IN" dirty="0" smtClean="0"/>
-              <a:t>(</a:t>
-            </a:r>
-            <a:r>
-              <a:rPr lang="en-IN" dirty="0" err="1" smtClean="0"/>
-              <a:t>mystr.strFunc</a:t>
-            </a:r>
-            <a:r>
-              <a:rPr lang="en-IN" dirty="0" smtClean="0"/>
-              <a:t>(</a:t>
-            </a:r>
-            <a:r>
-              <a:rPr lang="en-IN" dirty="0" err="1" smtClean="0"/>
-              <a:t>charArray</a:t>
-            </a:r>
-            <a:r>
-              <a:rPr lang="en-IN" dirty="0" smtClean="0"/>
-              <a:t>));    // line 3</a:t>
-            </a:r>
-            <a:endParaRPr lang="en-IN" dirty="0"/>
-          </a:p>
-          <a:p>
-            <a:pPr marL="0" indent="0">
-              <a:buNone/>
-            </a:pPr>
-            <a:endParaRPr lang="en-IN" dirty="0" smtClean="0"/>
-          </a:p>
-          <a:p>
-            <a:pPr marL="0" indent="0">
-              <a:buNone/>
-            </a:pPr>
-            <a:endParaRPr lang="en-IN" dirty="0" smtClean="0"/>
-          </a:p>
-          <a:p>
-            <a:pPr marL="0" indent="0">
-              <a:buNone/>
-            </a:pPr>
-            <a:endParaRPr lang="en-IN" dirty="0" smtClean="0"/>
-          </a:p>
-          <a:p>
-            <a:pPr marL="457200" indent="-457200"/>
-            <a:endParaRPr lang="en-IN" dirty="0" smtClean="0"/>
-          </a:p>
-          <a:p>
-            <a:pPr marL="0" indent="0">
-              <a:buNone/>
-            </a:pPr>
-            <a:endParaRPr lang="en-IN" dirty="0" smtClean="0"/>
-          </a:p>
-          <a:p>
-            <a:pPr marL="457200" indent="-457200"/>
-            <a:endParaRPr lang="en-IN" dirty="0" smtClean="0"/>
           </a:p>
           <a:p>
             <a:endParaRPr lang="en-US" dirty="0"/>
@@ -15473,11 +15797,11 @@
           <a:p>
             <a:r>
               <a:rPr lang="en-US" dirty="0" smtClean="0"/>
-              <a:t>Lesson 6 : </a:t>
+              <a:t>Lesson 6 </a:t>
             </a:r>
             <a:r>
               <a:rPr lang="en-US" dirty="0"/>
-              <a:t>Method and constructor reference</a:t>
+              <a:t>: Method and constructor reference</a:t>
             </a:r>
           </a:p>
         </p:txBody>
@@ -15485,7 +15809,7 @@
     </p:spTree>
     <p:extLst>
       <p:ext uri="{BB962C8B-B14F-4D97-AF65-F5344CB8AC3E}">
-        <p14:creationId xmlns:p14="http://schemas.microsoft.com/office/powerpoint/2010/main" val="931933405"/>
+        <p14:creationId xmlns:p14="http://schemas.microsoft.com/office/powerpoint/2010/main" val="2460206016"/>
       </p:ext>
     </p:extLst>
   </p:cSld>
@@ -15544,21 +15868,115 @@
         <p:spPr>
           <a:xfrm>
             <a:off x="609600" y="1200150"/>
-            <a:ext cx="9963150" cy="5326380"/>
+            <a:ext cx="9963150" cy="5052060"/>
           </a:xfrm>
         </p:spPr>
         <p:txBody>
           <a:bodyPr>
-            <a:normAutofit fontScale="77500" lnSpcReduction="20000"/>
+            <a:normAutofit fontScale="55000" lnSpcReduction="20000"/>
           </a:bodyPr>
           <a:lstStyle/>
           <a:p>
             <a:pPr marL="457200" indent="-457200"/>
             <a:r>
-              <a:rPr lang="en-IN" dirty="0"/>
-              <a:t> Lambda expressions and method/constructor references conceptually denote functions, but Java has no such thing as function types.  Instead, lambda expressions and method/constructor references must be converted to functional interface types. </a:t>
-            </a:r>
+              <a:rPr lang="en-IN" dirty="0" smtClean="0"/>
+              <a:t>Specifying the receiver of the method invocation implicitly called unbounded receiver.  For an unbound receiver, use the </a:t>
+            </a:r>
+            <a:r>
+              <a:rPr lang="en-IN" dirty="0" err="1" smtClean="0"/>
+              <a:t>ClassName</a:t>
+            </a:r>
+            <a:r>
+              <a:rPr lang="en-IN" dirty="0" smtClean="0"/>
+              <a:t>::</a:t>
+            </a:r>
+            <a:r>
+              <a:rPr lang="en-IN" dirty="0" err="1" smtClean="0"/>
+              <a:t>instanceMethod</a:t>
+            </a:r>
+            <a:r>
+              <a:rPr lang="en-IN" dirty="0" smtClean="0"/>
+              <a:t> syntax. </a:t>
+            </a:r>
+          </a:p>
+          <a:p>
+            <a:pPr marL="0" indent="0">
+              <a:buNone/>
+            </a:pPr>
+            <a:r>
+              <a:rPr lang="en-IN" dirty="0" smtClean="0"/>
+              <a:t>	 </a:t>
+            </a:r>
+          </a:p>
+          <a:p>
+            <a:pPr marL="457200" indent="-457200"/>
+            <a:r>
+              <a:rPr lang="en-IN" dirty="0" smtClean="0"/>
+              <a:t>Example 1</a:t>
+            </a:r>
+          </a:p>
+          <a:p>
+            <a:pPr marL="0" indent="0">
+              <a:buNone/>
+            </a:pPr>
+            <a:r>
+              <a:rPr lang="en-IN" dirty="0" smtClean="0"/>
+              <a:t>   	 Function&lt;Person, String&gt; </a:t>
+            </a:r>
+            <a:r>
+              <a:rPr lang="en-IN" dirty="0" err="1" smtClean="0"/>
+              <a:t>fNameFunc</a:t>
+            </a:r>
+            <a:r>
+              <a:rPr lang="en-IN" dirty="0" smtClean="0"/>
+              <a:t> = Person::</a:t>
+            </a:r>
+            <a:r>
+              <a:rPr lang="en-IN" dirty="0" err="1" smtClean="0"/>
+              <a:t>getFirstName</a:t>
+            </a:r>
+            <a:r>
+              <a:rPr lang="en-IN" dirty="0" smtClean="0"/>
+              <a:t>;</a:t>
+            </a:r>
+          </a:p>
+          <a:p>
+            <a:pPr marL="0" indent="0">
+              <a:buNone/>
+            </a:pPr>
+            <a:r>
+              <a:rPr lang="en-IN" dirty="0" smtClean="0"/>
+              <a:t>	 Function&lt;String, Integer&gt; </a:t>
+            </a:r>
+            <a:r>
+              <a:rPr lang="en-IN" dirty="0" err="1" smtClean="0"/>
+              <a:t>strLengthFunc</a:t>
+            </a:r>
+            <a:r>
+              <a:rPr lang="en-IN" dirty="0" smtClean="0"/>
+              <a:t> = String::length; </a:t>
+            </a:r>
+          </a:p>
+          <a:p>
+            <a:pPr marL="0" indent="0">
+              <a:buNone/>
+            </a:pPr>
             <a:endParaRPr lang="en-IN" dirty="0" smtClean="0"/>
+          </a:p>
+          <a:p>
+            <a:pPr marL="457200" indent="-457200"/>
+            <a:r>
+              <a:rPr lang="en-IN" dirty="0" smtClean="0"/>
+              <a:t>The receiver object in the example of String::length is a String object that is used when the length method is invoked via the method reference.  Obviously, the method reference String::length does not </a:t>
+            </a:r>
+            <a:r>
+              <a:rPr lang="en-IN" dirty="0" err="1" smtClean="0"/>
+              <a:t>specifiy</a:t>
+            </a:r>
+            <a:r>
+              <a:rPr lang="en-IN" dirty="0" smtClean="0"/>
+              <a:t> any particular string object as the receiver.  This is why we talk of an unbound receiver.</a:t>
+            </a:r>
           </a:p>
           <a:p>
             <a:pPr marL="457200" indent="-457200"/>
@@ -15568,23 +15986,7 @@
             <a:pPr marL="457200" indent="-457200"/>
             <a:r>
               <a:rPr lang="en-IN" dirty="0" smtClean="0"/>
-              <a:t>Compiler </a:t>
-            </a:r>
-            <a:r>
-              <a:rPr lang="en-IN" dirty="0"/>
-              <a:t>infers the functional interface type, to which a lambda expression or method/constructor reference is converted, from the context in which it appears.  This context dependent type inference process is called target typing. </a:t>
-            </a:r>
-            <a:endParaRPr lang="en-IN" dirty="0" smtClean="0"/>
-          </a:p>
-          <a:p>
-            <a:pPr marL="457200" indent="-457200"/>
-            <a:endParaRPr lang="en-IN" dirty="0"/>
-          </a:p>
-          <a:p>
-            <a:pPr marL="457200" indent="-457200"/>
-            <a:r>
-              <a:rPr lang="en-IN" dirty="0" smtClean="0"/>
-              <a:t>Two type of expressions in java</a:t>
+              <a:t>Constructor reference</a:t>
             </a:r>
           </a:p>
           <a:p>
@@ -15593,7 +15995,7 @@
             </a:pPr>
             <a:r>
               <a:rPr lang="en-IN" dirty="0" smtClean="0"/>
-              <a:t>	Standalone -   2 * 3 or 4 + 6 type deduction performed by analysing the 	expression.</a:t>
+              <a:t>	String::new same as () -&gt; new String() </a:t>
             </a:r>
           </a:p>
           <a:p>
@@ -15603,47 +16005,6 @@
             <a:r>
               <a:rPr lang="en-IN" dirty="0" smtClean="0"/>
               <a:t>	</a:t>
-            </a:r>
-            <a:r>
-              <a:rPr lang="en-IN" dirty="0" err="1" smtClean="0"/>
-              <a:t>Polyexpression</a:t>
-            </a:r>
-            <a:r>
-              <a:rPr lang="en-IN" dirty="0" smtClean="0"/>
-              <a:t> </a:t>
-            </a:r>
-            <a:r>
-              <a:rPr lang="en-IN" dirty="0"/>
-              <a:t>-  </a:t>
-            </a:r>
-            <a:r>
-              <a:rPr lang="en-IN" dirty="0" smtClean="0"/>
-              <a:t>Type </a:t>
-            </a:r>
-            <a:r>
-              <a:rPr lang="en-IN" dirty="0"/>
-              <a:t>deduction requires analysis of both the expression and </a:t>
-            </a:r>
-            <a:r>
-              <a:rPr lang="en-IN" dirty="0" smtClean="0"/>
-              <a:t>	the </a:t>
-            </a:r>
-            <a:r>
-              <a:rPr lang="en-IN" dirty="0"/>
-              <a:t>context in which the expression appears. </a:t>
-            </a:r>
-            <a:r>
-              <a:rPr lang="en-IN" dirty="0" smtClean="0"/>
-              <a:t>Example</a:t>
-            </a:r>
-          </a:p>
-          <a:p>
-            <a:pPr marL="0" indent="0">
-              <a:buNone/>
-            </a:pPr>
-            <a:r>
-              <a:rPr lang="en-IN" dirty="0" smtClean="0"/>
-              <a:t>     	List&lt;String&gt; = new </a:t>
             </a:r>
             <a:r>
               <a:rPr lang="en-IN" dirty="0" err="1" smtClean="0"/>
@@ -15651,21 +16012,158 @@
             </a:r>
             <a:r>
               <a:rPr lang="en-IN" dirty="0" smtClean="0"/>
-              <a:t>&lt;&gt;();</a:t>
+              <a:t>&lt;String&gt;::new </a:t>
             </a:r>
           </a:p>
           <a:p>
             <a:pPr marL="0" indent="0">
               <a:buNone/>
             </a:pPr>
+            <a:r>
+              <a:rPr lang="en-IN" dirty="0" smtClean="0"/>
+              <a:t>	String[]::new </a:t>
+            </a:r>
+          </a:p>
+          <a:p>
+            <a:pPr marL="0" indent="0">
+              <a:buNone/>
+            </a:pPr>
+            <a:r>
+              <a:rPr lang="en-IN" dirty="0" smtClean="0"/>
+              <a:t>	</a:t>
+            </a:r>
+            <a:r>
+              <a:rPr lang="en-IN" dirty="0" err="1" smtClean="0"/>
+              <a:t>int</a:t>
+            </a:r>
+            <a:r>
+              <a:rPr lang="en-IN" dirty="0" smtClean="0"/>
+              <a:t>[]::new </a:t>
+            </a:r>
+          </a:p>
+          <a:p>
+            <a:pPr marL="0" indent="0">
+              <a:buNone/>
+            </a:pPr>
+            <a:r>
+              <a:rPr lang="en-IN" dirty="0" smtClean="0"/>
+              <a:t>	 Tuple&lt;String&gt;::&lt;String&gt;new // generic </a:t>
+            </a:r>
+          </a:p>
+          <a:p>
+            <a:pPr marL="0" indent="0">
+              <a:buNone/>
+            </a:pPr>
             <a:endParaRPr lang="en-IN" dirty="0" smtClean="0"/>
           </a:p>
           <a:p>
             <a:pPr marL="457200" indent="-457200"/>
             <a:r>
-              <a:rPr lang="en-IN" dirty="0"/>
-              <a:t>When an expression appears in a context, its type must be compatible with a type expected in that context.  The expected type is called the target type. </a:t>
-            </a:r>
+              <a:rPr lang="en-IN" dirty="0" smtClean="0"/>
+              <a:t>The compiler picks the right constructor depending on the context in which the constructor 	reference appears.</a:t>
+            </a:r>
+          </a:p>
+          <a:p>
+            <a:pPr marL="109728" indent="0">
+              <a:buNone/>
+            </a:pPr>
+            <a:r>
+              <a:rPr lang="en-IN" dirty="0" smtClean="0"/>
+              <a:t>	</a:t>
+            </a:r>
+            <a:r>
+              <a:rPr lang="en-IN" dirty="0" err="1" smtClean="0"/>
+              <a:t>MyString</a:t>
+            </a:r>
+            <a:r>
+              <a:rPr lang="en-IN" dirty="0" smtClean="0"/>
+              <a:t> </a:t>
+            </a:r>
+            <a:r>
+              <a:rPr lang="en-IN" dirty="0" err="1"/>
+              <a:t>mystr</a:t>
+            </a:r>
+            <a:r>
+              <a:rPr lang="en-IN" dirty="0"/>
+              <a:t> = String</a:t>
+            </a:r>
+            <a:r>
+              <a:rPr lang="en-IN" dirty="0" smtClean="0"/>
+              <a:t>::</a:t>
+            </a:r>
+            <a:r>
+              <a:rPr lang="en-IN" b="1" dirty="0" smtClean="0"/>
+              <a:t>new</a:t>
+            </a:r>
+            <a:r>
+              <a:rPr lang="en-IN" dirty="0" smtClean="0"/>
+              <a:t>;    // line 1  pick constructor String(char []) based on line 3 </a:t>
+            </a:r>
+            <a:endParaRPr lang="en-IN" dirty="0"/>
+          </a:p>
+          <a:p>
+            <a:pPr marL="109728" indent="0">
+              <a:buNone/>
+            </a:pPr>
+            <a:r>
+              <a:rPr lang="en-IN" dirty="0" smtClean="0"/>
+              <a:t>	char</a:t>
+            </a:r>
+            <a:r>
+              <a:rPr lang="en-IN" dirty="0"/>
+              <a:t>[] </a:t>
+            </a:r>
+            <a:r>
+              <a:rPr lang="en-IN" dirty="0" err="1"/>
+              <a:t>charArray</a:t>
+            </a:r>
+            <a:r>
+              <a:rPr lang="en-IN" dirty="0"/>
+              <a:t> = {'</a:t>
+            </a:r>
+            <a:r>
+              <a:rPr lang="en-IN" dirty="0" err="1"/>
+              <a:t>e','v','o','n','t','e','c','h','n','o','l','o','g','y</a:t>
+            </a:r>
+            <a:r>
+              <a:rPr lang="en-IN" dirty="0" smtClean="0"/>
+              <a:t>'}; // line 2</a:t>
+            </a:r>
+            <a:endParaRPr lang="en-IN" dirty="0"/>
+          </a:p>
+          <a:p>
+            <a:pPr marL="109728" indent="0">
+              <a:buNone/>
+            </a:pPr>
+            <a:r>
+              <a:rPr lang="en-IN" dirty="0" smtClean="0"/>
+              <a:t>	</a:t>
+            </a:r>
+            <a:r>
+              <a:rPr lang="en-IN" dirty="0" err="1" smtClean="0"/>
+              <a:t>System.out.println</a:t>
+            </a:r>
+            <a:r>
+              <a:rPr lang="en-IN" dirty="0" smtClean="0"/>
+              <a:t>(</a:t>
+            </a:r>
+            <a:r>
+              <a:rPr lang="en-IN" dirty="0" err="1" smtClean="0"/>
+              <a:t>mystr.strFunc</a:t>
+            </a:r>
+            <a:r>
+              <a:rPr lang="en-IN" dirty="0" smtClean="0"/>
+              <a:t>(</a:t>
+            </a:r>
+            <a:r>
+              <a:rPr lang="en-IN" dirty="0" err="1" smtClean="0"/>
+              <a:t>charArray</a:t>
+            </a:r>
+            <a:r>
+              <a:rPr lang="en-IN" dirty="0" smtClean="0"/>
+              <a:t>));    // line 3</a:t>
+            </a:r>
+            <a:endParaRPr lang="en-IN" dirty="0"/>
           </a:p>
           <a:p>
             <a:pPr marL="0" indent="0">
@@ -15677,43 +16175,27 @@
             <a:pPr marL="0" indent="0">
               <a:buNone/>
             </a:pPr>
-            <a:endParaRPr lang="en-IN" dirty="0"/>
+            <a:endParaRPr lang="en-IN" dirty="0" smtClean="0"/>
+          </a:p>
+          <a:p>
+            <a:pPr marL="0" indent="0">
+              <a:buNone/>
+            </a:pPr>
+            <a:endParaRPr lang="en-IN" dirty="0" smtClean="0"/>
           </a:p>
           <a:p>
             <a:pPr marL="457200" indent="-457200"/>
             <a:endParaRPr lang="en-IN" dirty="0" smtClean="0"/>
           </a:p>
           <a:p>
+            <a:pPr marL="0" indent="0">
+              <a:buNone/>
+            </a:pPr>
+            <a:endParaRPr lang="en-IN" dirty="0" smtClean="0"/>
+          </a:p>
+          <a:p>
             <a:pPr marL="457200" indent="-457200"/>
             <a:endParaRPr lang="en-IN" dirty="0" smtClean="0"/>
-          </a:p>
-          <a:p>
-            <a:pPr marL="0" indent="0">
-              <a:buNone/>
-            </a:pPr>
-            <a:endParaRPr lang="en-IN" dirty="0"/>
-          </a:p>
-          <a:p>
-            <a:pPr marL="0" indent="0">
-              <a:buNone/>
-            </a:pPr>
-            <a:endParaRPr lang="en-IN" dirty="0"/>
-          </a:p>
-          <a:p>
-            <a:pPr marL="0" indent="0">
-              <a:buNone/>
-            </a:pPr>
-            <a:endParaRPr lang="en-IN" dirty="0"/>
-          </a:p>
-          <a:p>
-            <a:pPr marL="0" indent="0">
-              <a:buNone/>
-            </a:pPr>
-            <a:endParaRPr lang="en-IN" dirty="0"/>
-          </a:p>
-          <a:p>
-            <a:pPr marL="457200" indent="-457200"/>
-            <a:endParaRPr lang="en-IN" dirty="0"/>
           </a:p>
           <a:p>
             <a:endParaRPr lang="en-US" dirty="0"/>
@@ -15744,11 +16226,11 @@
           <a:p>
             <a:r>
               <a:rPr lang="en-US" dirty="0" smtClean="0"/>
-              <a:t>Lesson 7 </a:t>
+              <a:t>Lesson 6 : </a:t>
             </a:r>
             <a:r>
               <a:rPr lang="en-US" dirty="0"/>
-              <a:t>: Target Typing </a:t>
+              <a:t>Method and constructor reference</a:t>
             </a:r>
           </a:p>
         </p:txBody>
@@ -15756,7 +16238,7 @@
     </p:spTree>
     <p:extLst>
       <p:ext uri="{BB962C8B-B14F-4D97-AF65-F5344CB8AC3E}">
-        <p14:creationId xmlns:p14="http://schemas.microsoft.com/office/powerpoint/2010/main" val="1887650829"/>
+        <p14:creationId xmlns:p14="http://schemas.microsoft.com/office/powerpoint/2010/main" val="931933405"/>
       </p:ext>
     </p:extLst>
   </p:cSld>
@@ -16027,7 +16509,7 @@
     </p:spTree>
     <p:extLst>
       <p:ext uri="{BB962C8B-B14F-4D97-AF65-F5344CB8AC3E}">
-        <p14:creationId xmlns:p14="http://schemas.microsoft.com/office/powerpoint/2010/main" val="1496933211"/>
+        <p14:creationId xmlns:p14="http://schemas.microsoft.com/office/powerpoint/2010/main" val="1887650829"/>
       </p:ext>
     </p:extLst>
   </p:cSld>
@@ -16091,11 +16573,128 @@
         </p:spPr>
         <p:txBody>
           <a:bodyPr>
-            <a:normAutofit/>
+            <a:normAutofit fontScale="77500" lnSpcReduction="20000"/>
           </a:bodyPr>
           <a:lstStyle/>
           <a:p>
             <a:pPr marL="457200" indent="-457200"/>
+            <a:r>
+              <a:rPr lang="en-IN" dirty="0"/>
+              <a:t> Lambda expressions and method/constructor references conceptually denote functions, but Java has no such thing as function types.  Instead, lambda expressions and method/constructor references must be converted to functional interface types. </a:t>
+            </a:r>
+            <a:endParaRPr lang="en-IN" dirty="0" smtClean="0"/>
+          </a:p>
+          <a:p>
+            <a:pPr marL="457200" indent="-457200"/>
+            <a:endParaRPr lang="en-IN" dirty="0" smtClean="0"/>
+          </a:p>
+          <a:p>
+            <a:pPr marL="457200" indent="-457200"/>
+            <a:r>
+              <a:rPr lang="en-IN" dirty="0" smtClean="0"/>
+              <a:t>Compiler </a:t>
+            </a:r>
+            <a:r>
+              <a:rPr lang="en-IN" dirty="0"/>
+              <a:t>infers the functional interface type, to which a lambda expression or method/constructor reference is converted, from the context in which it appears.  This context dependent type inference process is called target typing. </a:t>
+            </a:r>
+            <a:endParaRPr lang="en-IN" dirty="0" smtClean="0"/>
+          </a:p>
+          <a:p>
+            <a:pPr marL="457200" indent="-457200"/>
+            <a:endParaRPr lang="en-IN" dirty="0"/>
+          </a:p>
+          <a:p>
+            <a:pPr marL="457200" indent="-457200"/>
+            <a:r>
+              <a:rPr lang="en-IN" dirty="0" smtClean="0"/>
+              <a:t>Two type of expressions in java</a:t>
+            </a:r>
+          </a:p>
+          <a:p>
+            <a:pPr marL="0" indent="0">
+              <a:buNone/>
+            </a:pPr>
+            <a:r>
+              <a:rPr lang="en-IN" dirty="0" smtClean="0"/>
+              <a:t>	Standalone -   2 * 3 or 4 + 6 type deduction performed by analysing the 	expression.</a:t>
+            </a:r>
+          </a:p>
+          <a:p>
+            <a:pPr marL="0" indent="0">
+              <a:buNone/>
+            </a:pPr>
+            <a:r>
+              <a:rPr lang="en-IN" dirty="0" smtClean="0"/>
+              <a:t>	</a:t>
+            </a:r>
+            <a:r>
+              <a:rPr lang="en-IN" dirty="0" err="1" smtClean="0"/>
+              <a:t>Polyexpression</a:t>
+            </a:r>
+            <a:r>
+              <a:rPr lang="en-IN" dirty="0" smtClean="0"/>
+              <a:t> </a:t>
+            </a:r>
+            <a:r>
+              <a:rPr lang="en-IN" dirty="0"/>
+              <a:t>-  </a:t>
+            </a:r>
+            <a:r>
+              <a:rPr lang="en-IN" dirty="0" smtClean="0"/>
+              <a:t>Type </a:t>
+            </a:r>
+            <a:r>
+              <a:rPr lang="en-IN" dirty="0"/>
+              <a:t>deduction requires analysis of both the expression and </a:t>
+            </a:r>
+            <a:r>
+              <a:rPr lang="en-IN" dirty="0" smtClean="0"/>
+              <a:t>	the </a:t>
+            </a:r>
+            <a:r>
+              <a:rPr lang="en-IN" dirty="0"/>
+              <a:t>context in which the expression appears. </a:t>
+            </a:r>
+            <a:r>
+              <a:rPr lang="en-IN" dirty="0" smtClean="0"/>
+              <a:t>Example</a:t>
+            </a:r>
+          </a:p>
+          <a:p>
+            <a:pPr marL="0" indent="0">
+              <a:buNone/>
+            </a:pPr>
+            <a:r>
+              <a:rPr lang="en-IN" dirty="0" smtClean="0"/>
+              <a:t>     	List&lt;String&gt; = new </a:t>
+            </a:r>
+            <a:r>
+              <a:rPr lang="en-IN" dirty="0" err="1" smtClean="0"/>
+              <a:t>ArrayList</a:t>
+            </a:r>
+            <a:r>
+              <a:rPr lang="en-IN" dirty="0" smtClean="0"/>
+              <a:t>&lt;&gt;();</a:t>
+            </a:r>
+          </a:p>
+          <a:p>
+            <a:pPr marL="0" indent="0">
+              <a:buNone/>
+            </a:pPr>
+            <a:endParaRPr lang="en-IN" dirty="0" smtClean="0"/>
+          </a:p>
+          <a:p>
+            <a:pPr marL="457200" indent="-457200"/>
+            <a:r>
+              <a:rPr lang="en-IN" dirty="0"/>
+              <a:t>When an expression appears in a context, its type must be compatible with a type expected in that context.  The expected type is called the target type. </a:t>
+            </a:r>
+          </a:p>
+          <a:p>
+            <a:pPr marL="0" indent="0">
+              <a:buNone/>
+            </a:pPr>
             <a:endParaRPr lang="en-IN" dirty="0" smtClean="0"/>
           </a:p>
           <a:p>
@@ -16178,397 +16777,10 @@
           </a:p>
         </p:txBody>
       </p:sp>
-      <p:graphicFrame>
-        <p:nvGraphicFramePr>
-          <p:cNvPr id="5" name="Table 4"/>
-          <p:cNvGraphicFramePr>
-            <a:graphicFrameLocks noGrp="1"/>
-          </p:cNvGraphicFramePr>
-          <p:nvPr>
-            <p:extLst>
-              <p:ext uri="{D42A27DB-BD31-4B8C-83A1-F6EECF244321}">
-                <p14:modId xmlns:p14="http://schemas.microsoft.com/office/powerpoint/2010/main" val="1118721406"/>
-              </p:ext>
-            </p:extLst>
-          </p:nvPr>
-        </p:nvGraphicFramePr>
-        <p:xfrm>
-          <a:off x="1026160" y="1529080"/>
-          <a:ext cx="8563610" cy="4668520"/>
-        </p:xfrm>
-        <a:graphic>
-          <a:graphicData uri="http://schemas.openxmlformats.org/drawingml/2006/table">
-            <a:tbl>
-              <a:tblPr firstRow="1" bandRow="1">
-                <a:tableStyleId>{5C22544A-7EE6-4342-B048-85BDC9FD1C3A}</a:tableStyleId>
-              </a:tblPr>
-              <a:tblGrid>
-                <a:gridCol w="2709333"/>
-                <a:gridCol w="2962487"/>
-                <a:gridCol w="2891790"/>
-              </a:tblGrid>
-              <a:tr h="370840">
-                <a:tc>
-                  <a:txBody>
-                    <a:bodyPr/>
-                    <a:lstStyle/>
-                    <a:p>
-                      <a:r>
-                        <a:rPr lang="en-IN" dirty="0" smtClean="0"/>
-                        <a:t>Poly expression</a:t>
-                      </a:r>
-                      <a:endParaRPr lang="en-IN" dirty="0"/>
-                    </a:p>
-                  </a:txBody>
-                  <a:tcPr/>
-                </a:tc>
-                <a:tc>
-                  <a:txBody>
-                    <a:bodyPr/>
-                    <a:lstStyle/>
-                    <a:p>
-                      <a:r>
-                        <a:rPr lang="en-IN" dirty="0" smtClean="0"/>
-                        <a:t>Example </a:t>
-                      </a:r>
-                      <a:endParaRPr lang="en-IN" dirty="0"/>
-                    </a:p>
-                  </a:txBody>
-                  <a:tcPr/>
-                </a:tc>
-                <a:tc>
-                  <a:txBody>
-                    <a:bodyPr/>
-                    <a:lstStyle/>
-                    <a:p>
-                      <a:r>
-                        <a:rPr lang="en-IN" dirty="0" smtClean="0"/>
-                        <a:t>Context</a:t>
-                      </a:r>
-                      <a:endParaRPr lang="en-IN" dirty="0"/>
-                    </a:p>
-                  </a:txBody>
-                  <a:tcPr/>
-                </a:tc>
-              </a:tr>
-              <a:tr h="370840">
-                <a:tc>
-                  <a:txBody>
-                    <a:bodyPr/>
-                    <a:lstStyle/>
-                    <a:p>
-                      <a:r>
-                        <a:rPr lang="en-IN" dirty="0" smtClean="0"/>
-                        <a:t>Instance creation expression using a "diamond operator" </a:t>
-                      </a:r>
-                      <a:endParaRPr lang="en-IN" dirty="0"/>
-                    </a:p>
-                  </a:txBody>
-                  <a:tcPr/>
-                </a:tc>
-                <a:tc>
-                  <a:txBody>
-                    <a:bodyPr/>
-                    <a:lstStyle/>
-                    <a:p>
-                      <a:r>
-                        <a:rPr lang="en-IN" dirty="0" smtClean="0"/>
-                        <a:t> new </a:t>
-                      </a:r>
-                      <a:r>
-                        <a:rPr lang="en-IN" dirty="0" err="1" smtClean="0"/>
-                        <a:t>ArrayList</a:t>
-                      </a:r>
-                      <a:r>
-                        <a:rPr lang="en-IN" dirty="0" smtClean="0"/>
-                        <a:t>&lt;&gt;()</a:t>
-                      </a:r>
-                      <a:endParaRPr lang="en-IN" dirty="0"/>
-                    </a:p>
-                  </a:txBody>
-                  <a:tcPr/>
-                </a:tc>
-                <a:tc>
-                  <a:txBody>
-                    <a:bodyPr/>
-                    <a:lstStyle/>
-                    <a:p>
-                      <a:r>
-                        <a:rPr lang="en-IN" dirty="0" smtClean="0"/>
-                        <a:t>Assignment</a:t>
-                      </a:r>
-                      <a:r>
-                        <a:rPr lang="en-IN" baseline="0" dirty="0" smtClean="0"/>
-                        <a:t> or method invocation.</a:t>
-                      </a:r>
-                      <a:endParaRPr lang="en-IN" dirty="0"/>
-                    </a:p>
-                  </a:txBody>
-                  <a:tcPr/>
-                </a:tc>
-              </a:tr>
-              <a:tr h="370840">
-                <a:tc>
-                  <a:txBody>
-                    <a:bodyPr/>
-                    <a:lstStyle/>
-                    <a:p>
-                      <a:r>
-                        <a:rPr lang="en-IN" dirty="0" smtClean="0"/>
-                        <a:t>Invocation of a generic method or constructor </a:t>
-                      </a:r>
-                      <a:endParaRPr lang="en-IN" dirty="0"/>
-                    </a:p>
-                  </a:txBody>
-                  <a:tcPr/>
-                </a:tc>
-                <a:tc>
-                  <a:txBody>
-                    <a:bodyPr/>
-                    <a:lstStyle/>
-                    <a:p>
-                      <a:r>
-                        <a:rPr lang="en-IN" dirty="0" err="1" smtClean="0"/>
-                        <a:t>Collections.emptySet</a:t>
-                      </a:r>
-                      <a:r>
-                        <a:rPr lang="en-IN" dirty="0" smtClean="0"/>
-                        <a:t>() </a:t>
-                      </a:r>
-                      <a:endParaRPr lang="en-IN" dirty="0"/>
-                    </a:p>
-                  </a:txBody>
-                  <a:tcPr/>
-                </a:tc>
-                <a:tc>
-                  <a:txBody>
-                    <a:bodyPr/>
-                    <a:lstStyle/>
-                    <a:p>
-                      <a:r>
-                        <a:rPr lang="en-IN" dirty="0" smtClean="0"/>
-                        <a:t>assignment or method invocation </a:t>
-                      </a:r>
-                      <a:endParaRPr lang="en-IN" dirty="0"/>
-                    </a:p>
-                  </a:txBody>
-                  <a:tcPr/>
-                </a:tc>
-              </a:tr>
-              <a:tr h="370840">
-                <a:tc>
-                  <a:txBody>
-                    <a:bodyPr/>
-                    <a:lstStyle/>
-                    <a:p>
-                      <a:r>
-                        <a:rPr lang="en-IN" dirty="0" smtClean="0"/>
-                        <a:t>Conditional operator expression </a:t>
-                      </a:r>
-                      <a:endParaRPr lang="en-IN" dirty="0"/>
-                    </a:p>
-                  </a:txBody>
-                  <a:tcPr/>
-                </a:tc>
-                <a:tc>
-                  <a:txBody>
-                    <a:bodyPr/>
-                    <a:lstStyle/>
-                    <a:p>
-                      <a:r>
-                        <a:rPr lang="en-IN" dirty="0" err="1" smtClean="0"/>
-                        <a:t>isSequential</a:t>
-                      </a:r>
-                      <a:r>
-                        <a:rPr lang="en-IN" dirty="0" smtClean="0"/>
-                        <a:t> ? new </a:t>
-                      </a:r>
-                      <a:r>
-                        <a:rPr lang="en-IN" dirty="0" err="1" smtClean="0"/>
-                        <a:t>HashSet</a:t>
-                      </a:r>
-                      <a:r>
-                        <a:rPr lang="en-IN" dirty="0" smtClean="0"/>
-                        <a:t>&lt;&gt;() : </a:t>
-                      </a:r>
-                      <a:r>
-                        <a:rPr lang="en-IN" dirty="0" err="1" smtClean="0"/>
-                        <a:t>Collections.synchronizedSet</a:t>
-                      </a:r>
-                      <a:r>
-                        <a:rPr lang="en-IN" dirty="0" smtClean="0"/>
-                        <a:t>  (new </a:t>
-                      </a:r>
-                      <a:r>
-                        <a:rPr lang="en-IN" dirty="0" err="1" smtClean="0"/>
-                        <a:t>HashSet</a:t>
-                      </a:r>
-                      <a:r>
-                        <a:rPr lang="en-IN" dirty="0" smtClean="0"/>
-                        <a:t>&lt;&gt;()) </a:t>
-                      </a:r>
-                      <a:endParaRPr lang="en-IN" dirty="0"/>
-                    </a:p>
-                  </a:txBody>
-                  <a:tcPr/>
-                </a:tc>
-                <a:tc>
-                  <a:txBody>
-                    <a:bodyPr/>
-                    <a:lstStyle/>
-                    <a:p>
-                      <a:r>
-                        <a:rPr lang="en-IN" dirty="0" smtClean="0"/>
-                        <a:t>assignment or method invocation, unless both operands produce primitives (or boxed primitives)</a:t>
-                      </a:r>
-                      <a:endParaRPr lang="en-IN" dirty="0"/>
-                    </a:p>
-                  </a:txBody>
-                  <a:tcPr/>
-                </a:tc>
-              </a:tr>
-              <a:tr h="370840">
-                <a:tc>
-                  <a:txBody>
-                    <a:bodyPr/>
-                    <a:lstStyle/>
-                    <a:p>
-                      <a:r>
-                        <a:rPr lang="en-IN" dirty="0" smtClean="0"/>
-                        <a:t>Method or constructor references </a:t>
-                      </a:r>
-                      <a:endParaRPr lang="en-IN" dirty="0"/>
-                    </a:p>
-                  </a:txBody>
-                  <a:tcPr/>
-                </a:tc>
-                <a:tc>
-                  <a:txBody>
-                    <a:bodyPr/>
-                    <a:lstStyle/>
-                    <a:p>
-                      <a:r>
-                        <a:rPr lang="en-IN" dirty="0" smtClean="0"/>
-                        <a:t>String::</a:t>
-                      </a:r>
-                      <a:r>
-                        <a:rPr lang="en-IN" dirty="0" err="1" smtClean="0"/>
-                        <a:t>compareToIgnoreCase</a:t>
-                      </a:r>
-                      <a:r>
-                        <a:rPr lang="en-IN" dirty="0" smtClean="0"/>
-                        <a:t> </a:t>
-                      </a:r>
-                      <a:endParaRPr lang="en-IN" dirty="0"/>
-                    </a:p>
-                  </a:txBody>
-                  <a:tcPr/>
-                </a:tc>
-                <a:tc>
-                  <a:txBody>
-                    <a:bodyPr/>
-                    <a:lstStyle/>
-                    <a:p>
-                      <a:r>
-                        <a:rPr lang="en-IN" dirty="0" smtClean="0"/>
-                        <a:t>assignment, method invocation, or cast </a:t>
-                      </a:r>
-                      <a:endParaRPr lang="en-IN" dirty="0"/>
-                    </a:p>
-                  </a:txBody>
-                  <a:tcPr/>
-                </a:tc>
-              </a:tr>
-              <a:tr h="370840">
-                <a:tc>
-                  <a:txBody>
-                    <a:bodyPr/>
-                    <a:lstStyle/>
-                    <a:p>
-                      <a:r>
-                        <a:rPr lang="en-IN" dirty="0" smtClean="0"/>
-                        <a:t>Lambda expressions </a:t>
-                      </a:r>
-                      <a:endParaRPr lang="en-IN" dirty="0"/>
-                    </a:p>
-                  </a:txBody>
-                  <a:tcPr/>
-                </a:tc>
-                <a:tc>
-                  <a:txBody>
-                    <a:bodyPr/>
-                    <a:lstStyle/>
-                    <a:p>
-                      <a:r>
-                        <a:rPr lang="en-IN" dirty="0" smtClean="0"/>
-                        <a:t>(</a:t>
-                      </a:r>
-                      <a:r>
-                        <a:rPr lang="en-IN" dirty="0" err="1" smtClean="0"/>
-                        <a:t>i,j</a:t>
-                      </a:r>
-                      <a:r>
-                        <a:rPr lang="en-IN" dirty="0" smtClean="0"/>
-                        <a:t>) -&gt; </a:t>
-                      </a:r>
-                      <a:r>
-                        <a:rPr lang="en-IN" dirty="0" err="1" smtClean="0"/>
-                        <a:t>i</a:t>
-                      </a:r>
-                      <a:r>
-                        <a:rPr lang="en-IN" dirty="0" smtClean="0"/>
-                        <a:t>&lt;j </a:t>
-                      </a:r>
-                      <a:endParaRPr lang="en-IN" dirty="0"/>
-                    </a:p>
-                  </a:txBody>
-                  <a:tcPr/>
-                </a:tc>
-                <a:tc>
-                  <a:txBody>
-                    <a:bodyPr/>
-                    <a:lstStyle/>
-                    <a:p>
-                      <a:r>
-                        <a:rPr lang="en-IN" dirty="0" smtClean="0"/>
-                        <a:t>(</a:t>
-                      </a:r>
-                      <a:r>
-                        <a:rPr lang="en-IN" dirty="0" err="1" smtClean="0"/>
-                        <a:t>i,j</a:t>
-                      </a:r>
-                      <a:r>
-                        <a:rPr lang="en-IN" dirty="0" smtClean="0"/>
-                        <a:t>) -&gt; </a:t>
-                      </a:r>
-                      <a:r>
-                        <a:rPr lang="en-IN" dirty="0" err="1" smtClean="0"/>
-                        <a:t>i</a:t>
-                      </a:r>
-                      <a:r>
-                        <a:rPr lang="en-IN" dirty="0" smtClean="0"/>
-                        <a:t>&lt;j assignment, method invocation, or cast </a:t>
-                      </a:r>
-                    </a:p>
-                    <a:p>
-                      <a:r>
-                        <a:rPr lang="en-IN" dirty="0" smtClean="0"/>
-                        <a:t> </a:t>
-                      </a:r>
-                      <a:endParaRPr lang="en-IN" dirty="0"/>
-                    </a:p>
-                  </a:txBody>
-                  <a:tcPr/>
-                </a:tc>
-              </a:tr>
-            </a:tbl>
-          </a:graphicData>
-        </a:graphic>
-      </p:graphicFrame>
     </p:spTree>
     <p:extLst>
       <p:ext uri="{BB962C8B-B14F-4D97-AF65-F5344CB8AC3E}">
-        <p14:creationId xmlns:p14="http://schemas.microsoft.com/office/powerpoint/2010/main" val="1733317481"/>
+        <p14:creationId xmlns:p14="http://schemas.microsoft.com/office/powerpoint/2010/main" val="1496933211"/>
       </p:ext>
     </p:extLst>
   </p:cSld>
@@ -16632,6 +16844,547 @@
         </p:spPr>
         <p:txBody>
           <a:bodyPr>
+            <a:normAutofit/>
+          </a:bodyPr>
+          <a:lstStyle/>
+          <a:p>
+            <a:pPr marL="457200" indent="-457200"/>
+            <a:endParaRPr lang="en-IN" dirty="0" smtClean="0"/>
+          </a:p>
+          <a:p>
+            <a:pPr marL="0" indent="0">
+              <a:buNone/>
+            </a:pPr>
+            <a:endParaRPr lang="en-IN" dirty="0"/>
+          </a:p>
+          <a:p>
+            <a:pPr marL="457200" indent="-457200"/>
+            <a:endParaRPr lang="en-IN" dirty="0" smtClean="0"/>
+          </a:p>
+          <a:p>
+            <a:pPr marL="457200" indent="-457200"/>
+            <a:endParaRPr lang="en-IN" dirty="0" smtClean="0"/>
+          </a:p>
+          <a:p>
+            <a:pPr marL="0" indent="0">
+              <a:buNone/>
+            </a:pPr>
+            <a:endParaRPr lang="en-IN" dirty="0"/>
+          </a:p>
+          <a:p>
+            <a:pPr marL="0" indent="0">
+              <a:buNone/>
+            </a:pPr>
+            <a:endParaRPr lang="en-IN" dirty="0"/>
+          </a:p>
+          <a:p>
+            <a:pPr marL="0" indent="0">
+              <a:buNone/>
+            </a:pPr>
+            <a:endParaRPr lang="en-IN" dirty="0"/>
+          </a:p>
+          <a:p>
+            <a:pPr marL="0" indent="0">
+              <a:buNone/>
+            </a:pPr>
+            <a:endParaRPr lang="en-IN" dirty="0"/>
+          </a:p>
+          <a:p>
+            <a:pPr marL="457200" indent="-457200"/>
+            <a:endParaRPr lang="en-IN" dirty="0"/>
+          </a:p>
+          <a:p>
+            <a:endParaRPr lang="en-US" dirty="0"/>
+          </a:p>
+        </p:txBody>
+      </p:sp>
+      <p:sp>
+        <p:nvSpPr>
+          <p:cNvPr id="2" name="Title 1"/>
+          <p:cNvSpPr>
+            <a:spLocks noGrp="1"/>
+          </p:cNvSpPr>
+          <p:nvPr>
+            <p:ph type="title"/>
+          </p:nvPr>
+        </p:nvSpPr>
+        <p:spPr>
+          <a:xfrm>
+            <a:off x="609600" y="575874"/>
+            <a:ext cx="10972800" cy="624276"/>
+          </a:xfrm>
+        </p:spPr>
+        <p:txBody>
+          <a:bodyPr>
+            <a:normAutofit fontScale="90000"/>
+          </a:bodyPr>
+          <a:lstStyle/>
+          <a:p>
+            <a:r>
+              <a:rPr lang="en-US" dirty="0" smtClean="0"/>
+              <a:t>Lesson 7 </a:t>
+            </a:r>
+            <a:r>
+              <a:rPr lang="en-US" dirty="0"/>
+              <a:t>: Target Typing </a:t>
+            </a:r>
+          </a:p>
+        </p:txBody>
+      </p:sp>
+      <p:graphicFrame>
+        <p:nvGraphicFramePr>
+          <p:cNvPr id="5" name="Table 4"/>
+          <p:cNvGraphicFramePr>
+            <a:graphicFrameLocks noGrp="1"/>
+          </p:cNvGraphicFramePr>
+          <p:nvPr>
+            <p:extLst>
+              <p:ext uri="{D42A27DB-BD31-4B8C-83A1-F6EECF244321}">
+                <p14:modId xmlns:p14="http://schemas.microsoft.com/office/powerpoint/2010/main" val="1118721406"/>
+              </p:ext>
+            </p:extLst>
+          </p:nvPr>
+        </p:nvGraphicFramePr>
+        <p:xfrm>
+          <a:off x="1026160" y="1529080"/>
+          <a:ext cx="8563610" cy="4668520"/>
+        </p:xfrm>
+        <a:graphic>
+          <a:graphicData uri="http://schemas.openxmlformats.org/drawingml/2006/table">
+            <a:tbl>
+              <a:tblPr firstRow="1" bandRow="1">
+                <a:tableStyleId>{5C22544A-7EE6-4342-B048-85BDC9FD1C3A}</a:tableStyleId>
+              </a:tblPr>
+              <a:tblGrid>
+                <a:gridCol w="2709333"/>
+                <a:gridCol w="2962487"/>
+                <a:gridCol w="2891790"/>
+              </a:tblGrid>
+              <a:tr h="370840">
+                <a:tc>
+                  <a:txBody>
+                    <a:bodyPr/>
+                    <a:lstStyle/>
+                    <a:p>
+                      <a:r>
+                        <a:rPr lang="en-IN" dirty="0" smtClean="0"/>
+                        <a:t>Poly expression</a:t>
+                      </a:r>
+                      <a:endParaRPr lang="en-IN" dirty="0"/>
+                    </a:p>
+                  </a:txBody>
+                  <a:tcPr/>
+                </a:tc>
+                <a:tc>
+                  <a:txBody>
+                    <a:bodyPr/>
+                    <a:lstStyle/>
+                    <a:p>
+                      <a:r>
+                        <a:rPr lang="en-IN" dirty="0" smtClean="0"/>
+                        <a:t>Example </a:t>
+                      </a:r>
+                      <a:endParaRPr lang="en-IN" dirty="0"/>
+                    </a:p>
+                  </a:txBody>
+                  <a:tcPr/>
+                </a:tc>
+                <a:tc>
+                  <a:txBody>
+                    <a:bodyPr/>
+                    <a:lstStyle/>
+                    <a:p>
+                      <a:r>
+                        <a:rPr lang="en-IN" dirty="0" smtClean="0"/>
+                        <a:t>Context</a:t>
+                      </a:r>
+                      <a:endParaRPr lang="en-IN" dirty="0"/>
+                    </a:p>
+                  </a:txBody>
+                  <a:tcPr/>
+                </a:tc>
+              </a:tr>
+              <a:tr h="370840">
+                <a:tc>
+                  <a:txBody>
+                    <a:bodyPr/>
+                    <a:lstStyle/>
+                    <a:p>
+                      <a:r>
+                        <a:rPr lang="en-IN" dirty="0" smtClean="0"/>
+                        <a:t>Instance creation expression using a "diamond operator" </a:t>
+                      </a:r>
+                      <a:endParaRPr lang="en-IN" dirty="0"/>
+                    </a:p>
+                  </a:txBody>
+                  <a:tcPr/>
+                </a:tc>
+                <a:tc>
+                  <a:txBody>
+                    <a:bodyPr/>
+                    <a:lstStyle/>
+                    <a:p>
+                      <a:r>
+                        <a:rPr lang="en-IN" dirty="0" smtClean="0"/>
+                        <a:t> new </a:t>
+                      </a:r>
+                      <a:r>
+                        <a:rPr lang="en-IN" dirty="0" err="1" smtClean="0"/>
+                        <a:t>ArrayList</a:t>
+                      </a:r>
+                      <a:r>
+                        <a:rPr lang="en-IN" dirty="0" smtClean="0"/>
+                        <a:t>&lt;&gt;()</a:t>
+                      </a:r>
+                      <a:endParaRPr lang="en-IN" dirty="0"/>
+                    </a:p>
+                  </a:txBody>
+                  <a:tcPr/>
+                </a:tc>
+                <a:tc>
+                  <a:txBody>
+                    <a:bodyPr/>
+                    <a:lstStyle/>
+                    <a:p>
+                      <a:r>
+                        <a:rPr lang="en-IN" dirty="0" smtClean="0"/>
+                        <a:t>Assignment</a:t>
+                      </a:r>
+                      <a:r>
+                        <a:rPr lang="en-IN" baseline="0" dirty="0" smtClean="0"/>
+                        <a:t> or method invocation.</a:t>
+                      </a:r>
+                      <a:endParaRPr lang="en-IN" dirty="0"/>
+                    </a:p>
+                  </a:txBody>
+                  <a:tcPr/>
+                </a:tc>
+              </a:tr>
+              <a:tr h="370840">
+                <a:tc>
+                  <a:txBody>
+                    <a:bodyPr/>
+                    <a:lstStyle/>
+                    <a:p>
+                      <a:r>
+                        <a:rPr lang="en-IN" dirty="0" smtClean="0"/>
+                        <a:t>Invocation of a generic method or constructor </a:t>
+                      </a:r>
+                      <a:endParaRPr lang="en-IN" dirty="0"/>
+                    </a:p>
+                  </a:txBody>
+                  <a:tcPr/>
+                </a:tc>
+                <a:tc>
+                  <a:txBody>
+                    <a:bodyPr/>
+                    <a:lstStyle/>
+                    <a:p>
+                      <a:r>
+                        <a:rPr lang="en-IN" dirty="0" err="1" smtClean="0"/>
+                        <a:t>Collections.emptySet</a:t>
+                      </a:r>
+                      <a:r>
+                        <a:rPr lang="en-IN" dirty="0" smtClean="0"/>
+                        <a:t>() </a:t>
+                      </a:r>
+                      <a:endParaRPr lang="en-IN" dirty="0"/>
+                    </a:p>
+                  </a:txBody>
+                  <a:tcPr/>
+                </a:tc>
+                <a:tc>
+                  <a:txBody>
+                    <a:bodyPr/>
+                    <a:lstStyle/>
+                    <a:p>
+                      <a:r>
+                        <a:rPr lang="en-IN" dirty="0" smtClean="0"/>
+                        <a:t>assignment or method invocation </a:t>
+                      </a:r>
+                      <a:endParaRPr lang="en-IN" dirty="0"/>
+                    </a:p>
+                  </a:txBody>
+                  <a:tcPr/>
+                </a:tc>
+              </a:tr>
+              <a:tr h="370840">
+                <a:tc>
+                  <a:txBody>
+                    <a:bodyPr/>
+                    <a:lstStyle/>
+                    <a:p>
+                      <a:r>
+                        <a:rPr lang="en-IN" dirty="0" smtClean="0"/>
+                        <a:t>Conditional operator expression </a:t>
+                      </a:r>
+                      <a:endParaRPr lang="en-IN" dirty="0"/>
+                    </a:p>
+                  </a:txBody>
+                  <a:tcPr/>
+                </a:tc>
+                <a:tc>
+                  <a:txBody>
+                    <a:bodyPr/>
+                    <a:lstStyle/>
+                    <a:p>
+                      <a:r>
+                        <a:rPr lang="en-IN" dirty="0" err="1" smtClean="0"/>
+                        <a:t>isSequential</a:t>
+                      </a:r>
+                      <a:r>
+                        <a:rPr lang="en-IN" dirty="0" smtClean="0"/>
+                        <a:t> ? new </a:t>
+                      </a:r>
+                      <a:r>
+                        <a:rPr lang="en-IN" dirty="0" err="1" smtClean="0"/>
+                        <a:t>HashSet</a:t>
+                      </a:r>
+                      <a:r>
+                        <a:rPr lang="en-IN" dirty="0" smtClean="0"/>
+                        <a:t>&lt;&gt;() : </a:t>
+                      </a:r>
+                      <a:r>
+                        <a:rPr lang="en-IN" dirty="0" err="1" smtClean="0"/>
+                        <a:t>Collections.synchronizedSet</a:t>
+                      </a:r>
+                      <a:r>
+                        <a:rPr lang="en-IN" dirty="0" smtClean="0"/>
+                        <a:t>  (new </a:t>
+                      </a:r>
+                      <a:r>
+                        <a:rPr lang="en-IN" dirty="0" err="1" smtClean="0"/>
+                        <a:t>HashSet</a:t>
+                      </a:r>
+                      <a:r>
+                        <a:rPr lang="en-IN" dirty="0" smtClean="0"/>
+                        <a:t>&lt;&gt;()) </a:t>
+                      </a:r>
+                      <a:endParaRPr lang="en-IN" dirty="0"/>
+                    </a:p>
+                  </a:txBody>
+                  <a:tcPr/>
+                </a:tc>
+                <a:tc>
+                  <a:txBody>
+                    <a:bodyPr/>
+                    <a:lstStyle/>
+                    <a:p>
+                      <a:r>
+                        <a:rPr lang="en-IN" dirty="0" smtClean="0"/>
+                        <a:t>assignment or method invocation, unless both operands produce primitives (or boxed primitives)</a:t>
+                      </a:r>
+                      <a:endParaRPr lang="en-IN" dirty="0"/>
+                    </a:p>
+                  </a:txBody>
+                  <a:tcPr/>
+                </a:tc>
+              </a:tr>
+              <a:tr h="370840">
+                <a:tc>
+                  <a:txBody>
+                    <a:bodyPr/>
+                    <a:lstStyle/>
+                    <a:p>
+                      <a:r>
+                        <a:rPr lang="en-IN" dirty="0" smtClean="0"/>
+                        <a:t>Method or constructor references </a:t>
+                      </a:r>
+                      <a:endParaRPr lang="en-IN" dirty="0"/>
+                    </a:p>
+                  </a:txBody>
+                  <a:tcPr/>
+                </a:tc>
+                <a:tc>
+                  <a:txBody>
+                    <a:bodyPr/>
+                    <a:lstStyle/>
+                    <a:p>
+                      <a:r>
+                        <a:rPr lang="en-IN" dirty="0" smtClean="0"/>
+                        <a:t>String::</a:t>
+                      </a:r>
+                      <a:r>
+                        <a:rPr lang="en-IN" dirty="0" err="1" smtClean="0"/>
+                        <a:t>compareToIgnoreCase</a:t>
+                      </a:r>
+                      <a:r>
+                        <a:rPr lang="en-IN" dirty="0" smtClean="0"/>
+                        <a:t> </a:t>
+                      </a:r>
+                      <a:endParaRPr lang="en-IN" dirty="0"/>
+                    </a:p>
+                  </a:txBody>
+                  <a:tcPr/>
+                </a:tc>
+                <a:tc>
+                  <a:txBody>
+                    <a:bodyPr/>
+                    <a:lstStyle/>
+                    <a:p>
+                      <a:r>
+                        <a:rPr lang="en-IN" dirty="0" smtClean="0"/>
+                        <a:t>assignment, method invocation, or cast </a:t>
+                      </a:r>
+                      <a:endParaRPr lang="en-IN" dirty="0"/>
+                    </a:p>
+                  </a:txBody>
+                  <a:tcPr/>
+                </a:tc>
+              </a:tr>
+              <a:tr h="370840">
+                <a:tc>
+                  <a:txBody>
+                    <a:bodyPr/>
+                    <a:lstStyle/>
+                    <a:p>
+                      <a:r>
+                        <a:rPr lang="en-IN" dirty="0" smtClean="0"/>
+                        <a:t>Lambda expressions </a:t>
+                      </a:r>
+                      <a:endParaRPr lang="en-IN" dirty="0"/>
+                    </a:p>
+                  </a:txBody>
+                  <a:tcPr/>
+                </a:tc>
+                <a:tc>
+                  <a:txBody>
+                    <a:bodyPr/>
+                    <a:lstStyle/>
+                    <a:p>
+                      <a:r>
+                        <a:rPr lang="en-IN" dirty="0" smtClean="0"/>
+                        <a:t>(</a:t>
+                      </a:r>
+                      <a:r>
+                        <a:rPr lang="en-IN" dirty="0" err="1" smtClean="0"/>
+                        <a:t>i,j</a:t>
+                      </a:r>
+                      <a:r>
+                        <a:rPr lang="en-IN" dirty="0" smtClean="0"/>
+                        <a:t>) -&gt; </a:t>
+                      </a:r>
+                      <a:r>
+                        <a:rPr lang="en-IN" dirty="0" err="1" smtClean="0"/>
+                        <a:t>i</a:t>
+                      </a:r>
+                      <a:r>
+                        <a:rPr lang="en-IN" dirty="0" smtClean="0"/>
+                        <a:t>&lt;j </a:t>
+                      </a:r>
+                      <a:endParaRPr lang="en-IN" dirty="0"/>
+                    </a:p>
+                  </a:txBody>
+                  <a:tcPr/>
+                </a:tc>
+                <a:tc>
+                  <a:txBody>
+                    <a:bodyPr/>
+                    <a:lstStyle/>
+                    <a:p>
+                      <a:r>
+                        <a:rPr lang="en-IN" dirty="0" smtClean="0"/>
+                        <a:t>(</a:t>
+                      </a:r>
+                      <a:r>
+                        <a:rPr lang="en-IN" dirty="0" err="1" smtClean="0"/>
+                        <a:t>i,j</a:t>
+                      </a:r>
+                      <a:r>
+                        <a:rPr lang="en-IN" dirty="0" smtClean="0"/>
+                        <a:t>) -&gt; </a:t>
+                      </a:r>
+                      <a:r>
+                        <a:rPr lang="en-IN" dirty="0" err="1" smtClean="0"/>
+                        <a:t>i</a:t>
+                      </a:r>
+                      <a:r>
+                        <a:rPr lang="en-IN" dirty="0" smtClean="0"/>
+                        <a:t>&lt;j assignment, method invocation, or cast </a:t>
+                      </a:r>
+                    </a:p>
+                    <a:p>
+                      <a:r>
+                        <a:rPr lang="en-IN" dirty="0" smtClean="0"/>
+                        <a:t> </a:t>
+                      </a:r>
+                      <a:endParaRPr lang="en-IN" dirty="0"/>
+                    </a:p>
+                  </a:txBody>
+                  <a:tcPr/>
+                </a:tc>
+              </a:tr>
+            </a:tbl>
+          </a:graphicData>
+        </a:graphic>
+      </p:graphicFrame>
+    </p:spTree>
+    <p:extLst>
+      <p:ext uri="{BB962C8B-B14F-4D97-AF65-F5344CB8AC3E}">
+        <p14:creationId xmlns:p14="http://schemas.microsoft.com/office/powerpoint/2010/main" val="1733317481"/>
+      </p:ext>
+    </p:extLst>
+  </p:cSld>
+  <p:clrMapOvr>
+    <a:masterClrMapping/>
+  </p:clrMapOvr>
+  <mc:AlternateContent xmlns:mc="http://schemas.openxmlformats.org/markup-compatibility/2006" xmlns:p14="http://schemas.microsoft.com/office/powerpoint/2010/main">
+    <mc:Choice Requires="p14">
+      <p:transition spd="med" p14:dur="700">
+        <p:fade/>
+      </p:transition>
+    </mc:Choice>
+    <mc:Fallback xmlns="">
+      <p:transition spd="med">
+        <p:fade/>
+      </p:transition>
+    </mc:Fallback>
+  </mc:AlternateContent>
+  <p:timing>
+    <p:tnLst>
+      <p:par>
+        <p:cTn id="1" dur="indefinite" restart="never" nodeType="tmRoot"/>
+      </p:par>
+    </p:tnLst>
+  </p:timing>
+</p:sld>
+</file>
+
+<file path=ppt/slides/slide37.xml><?xml version="1.0" encoding="utf-8"?>
+<p:sld xmlns:a="http://schemas.openxmlformats.org/drawingml/2006/main" xmlns:r="http://schemas.openxmlformats.org/officeDocument/2006/relationships" xmlns:p="http://schemas.openxmlformats.org/presentationml/2006/main">
+  <p:cSld>
+    <p:spTree>
+      <p:nvGrpSpPr>
+        <p:cNvPr id="1" name=""/>
+        <p:cNvGrpSpPr/>
+        <p:nvPr/>
+      </p:nvGrpSpPr>
+      <p:grpSpPr>
+        <a:xfrm>
+          <a:off x="0" y="0"/>
+          <a:ext cx="0" cy="0"/>
+          <a:chOff x="0" y="0"/>
+          <a:chExt cx="0" cy="0"/>
+        </a:xfrm>
+      </p:grpSpPr>
+      <p:sp>
+        <p:nvSpPr>
+          <p:cNvPr id="3" name="Content Placeholder 2"/>
+          <p:cNvSpPr>
+            <a:spLocks noGrp="1"/>
+          </p:cNvSpPr>
+          <p:nvPr>
+            <p:ph idx="1"/>
+          </p:nvPr>
+        </p:nvSpPr>
+        <p:spPr>
+          <a:xfrm>
+            <a:off x="609600" y="1200150"/>
+            <a:ext cx="9963150" cy="5326380"/>
+          </a:xfrm>
+        </p:spPr>
+        <p:txBody>
+          <a:bodyPr>
             <a:normAutofit fontScale="77500" lnSpcReduction="20000"/>
           </a:bodyPr>
           <a:lstStyle/>
@@ -16868,7 +17621,7 @@
 </p:sld>
 </file>
 
-<file path=ppt/slides/slide37.xml><?xml version="1.0" encoding="utf-8"?>
+<file path=ppt/slides/slide38.xml><?xml version="1.0" encoding="utf-8"?>
 <p:sld xmlns:a="http://schemas.openxmlformats.org/drawingml/2006/main" xmlns:r="http://schemas.openxmlformats.org/officeDocument/2006/relationships" xmlns:p="http://schemas.openxmlformats.org/presentationml/2006/main">
   <p:cSld>
     <p:spTree>
@@ -17467,7 +18220,7 @@
 </p:sld>
 </file>
 
-<file path=ppt/slides/slide38.xml><?xml version="1.0" encoding="utf-8"?>
+<file path=ppt/slides/slide39.xml><?xml version="1.0" encoding="utf-8"?>
 <p:sld xmlns:a="http://schemas.openxmlformats.org/drawingml/2006/main" xmlns:r="http://schemas.openxmlformats.org/officeDocument/2006/relationships" xmlns:p="http://schemas.openxmlformats.org/presentationml/2006/main">
   <p:cSld>
     <p:spTree>
@@ -17867,7 +18620,170 @@
 </p:sld>
 </file>
 
-<file path=ppt/slides/slide39.xml><?xml version="1.0" encoding="utf-8"?>
+<file path=ppt/slides/slide4.xml><?xml version="1.0" encoding="utf-8"?>
+<p:sld xmlns:a="http://schemas.openxmlformats.org/drawingml/2006/main" xmlns:r="http://schemas.openxmlformats.org/officeDocument/2006/relationships" xmlns:p="http://schemas.openxmlformats.org/presentationml/2006/main">
+  <p:cSld>
+    <p:spTree>
+      <p:nvGrpSpPr>
+        <p:cNvPr id="1" name=""/>
+        <p:cNvGrpSpPr/>
+        <p:nvPr/>
+      </p:nvGrpSpPr>
+      <p:grpSpPr>
+        <a:xfrm>
+          <a:off x="0" y="0"/>
+          <a:ext cx="0" cy="0"/>
+          <a:chOff x="0" y="0"/>
+          <a:chExt cx="0" cy="0"/>
+        </a:xfrm>
+      </p:grpSpPr>
+      <p:sp>
+        <p:nvSpPr>
+          <p:cNvPr id="3" name="Content Placeholder 2"/>
+          <p:cNvSpPr>
+            <a:spLocks noGrp="1"/>
+          </p:cNvSpPr>
+          <p:nvPr>
+            <p:ph idx="1"/>
+          </p:nvPr>
+        </p:nvSpPr>
+        <p:spPr>
+          <a:xfrm>
+            <a:off x="609600" y="1769533"/>
+            <a:ext cx="10972800" cy="4805003"/>
+          </a:xfrm>
+        </p:spPr>
+        <p:txBody>
+          <a:bodyPr/>
+          <a:lstStyle/>
+          <a:p>
+            <a:r>
+              <a:rPr lang="en-US" dirty="0" smtClean="0"/>
+              <a:t>Lesson 1: Lambda expression</a:t>
+            </a:r>
+          </a:p>
+          <a:p>
+            <a:r>
+              <a:rPr lang="en-US" dirty="0" smtClean="0"/>
+              <a:t>Lesson 2: Lambda expression rules and pattern</a:t>
+            </a:r>
+          </a:p>
+          <a:p>
+            <a:r>
+              <a:rPr lang="en-US" dirty="0" smtClean="0"/>
+              <a:t>Lesson 3: Scopes in Lambda</a:t>
+            </a:r>
+          </a:p>
+          <a:p>
+            <a:r>
+              <a:rPr lang="en-US" dirty="0" smtClean="0"/>
+              <a:t>Lesson 4: </a:t>
+            </a:r>
+            <a:r>
+              <a:rPr lang="en-US" dirty="0"/>
+              <a:t>Functional </a:t>
+            </a:r>
+            <a:r>
+              <a:rPr lang="en-US" dirty="0" smtClean="0"/>
+              <a:t>Interface</a:t>
+            </a:r>
+          </a:p>
+          <a:p>
+            <a:r>
+              <a:rPr lang="en-US" dirty="0" smtClean="0"/>
+              <a:t>Lesson 5: Functional interface in Java API</a:t>
+            </a:r>
+          </a:p>
+          <a:p>
+            <a:r>
+              <a:rPr lang="en-US" dirty="0" smtClean="0"/>
+              <a:t>Lesson 6: Method and constructor reference</a:t>
+            </a:r>
+          </a:p>
+          <a:p>
+            <a:r>
+              <a:rPr lang="en-US" dirty="0" smtClean="0"/>
+              <a:t>Lesson 7: Target Typing </a:t>
+            </a:r>
+          </a:p>
+          <a:p>
+            <a:r>
+              <a:rPr lang="en-US" dirty="0" smtClean="0"/>
+              <a:t>Lesson 8: Design API using Lambda</a:t>
+            </a:r>
+          </a:p>
+          <a:p>
+            <a:pPr marL="109728" indent="0">
+              <a:buNone/>
+            </a:pPr>
+            <a:endParaRPr lang="en-US" dirty="0" smtClean="0"/>
+          </a:p>
+          <a:p>
+            <a:endParaRPr lang="en-US" dirty="0"/>
+          </a:p>
+        </p:txBody>
+      </p:sp>
+      <p:sp>
+        <p:nvSpPr>
+          <p:cNvPr id="2" name="Title 1"/>
+          <p:cNvSpPr>
+            <a:spLocks noGrp="1"/>
+          </p:cNvSpPr>
+          <p:nvPr>
+            <p:ph type="title"/>
+          </p:nvPr>
+        </p:nvSpPr>
+        <p:spPr>
+          <a:xfrm>
+            <a:off x="609600" y="702733"/>
+            <a:ext cx="10972800" cy="1066800"/>
+          </a:xfrm>
+        </p:spPr>
+        <p:txBody>
+          <a:bodyPr/>
+          <a:lstStyle/>
+          <a:p>
+            <a:r>
+              <a:rPr lang="en-US" dirty="0" smtClean="0"/>
+              <a:t>Topics covered</a:t>
+            </a:r>
+            <a:endParaRPr lang="en-US" dirty="0"/>
+          </a:p>
+        </p:txBody>
+      </p:sp>
+    </p:spTree>
+    <p:extLst>
+      <p:ext uri="{BB962C8B-B14F-4D97-AF65-F5344CB8AC3E}">
+        <p14:creationId xmlns:p14="http://schemas.microsoft.com/office/powerpoint/2010/main" val="997860157"/>
+      </p:ext>
+    </p:extLst>
+  </p:cSld>
+  <p:clrMapOvr>
+    <a:masterClrMapping/>
+  </p:clrMapOvr>
+  <mc:AlternateContent xmlns:mc="http://schemas.openxmlformats.org/markup-compatibility/2006" xmlns:p14="http://schemas.microsoft.com/office/powerpoint/2010/main">
+    <mc:Choice Requires="p14">
+      <p:transition spd="med" p14:dur="700">
+        <p:fade/>
+      </p:transition>
+    </mc:Choice>
+    <mc:Fallback xmlns="">
+      <p:transition spd="med">
+        <p:fade/>
+      </p:transition>
+    </mc:Fallback>
+  </mc:AlternateContent>
+  <p:timing>
+    <p:tnLst>
+      <p:par>
+        <p:cTn id="1" dur="indefinite" restart="never" nodeType="tmRoot"/>
+      </p:par>
+    </p:tnLst>
+  </p:timing>
+</p:sld>
+</file>
+
+<file path=ppt/slides/slide40.xml><?xml version="1.0" encoding="utf-8"?>
 <p:sld xmlns:a="http://schemas.openxmlformats.org/drawingml/2006/main" xmlns:r="http://schemas.openxmlformats.org/officeDocument/2006/relationships" xmlns:p="http://schemas.openxmlformats.org/presentationml/2006/main">
   <p:cSld>
     <p:spTree>
@@ -18655,170 +19571,7 @@
 </p:sld>
 </file>
 
-<file path=ppt/slides/slide4.xml><?xml version="1.0" encoding="utf-8"?>
-<p:sld xmlns:a="http://schemas.openxmlformats.org/drawingml/2006/main" xmlns:r="http://schemas.openxmlformats.org/officeDocument/2006/relationships" xmlns:p="http://schemas.openxmlformats.org/presentationml/2006/main">
-  <p:cSld>
-    <p:spTree>
-      <p:nvGrpSpPr>
-        <p:cNvPr id="1" name=""/>
-        <p:cNvGrpSpPr/>
-        <p:nvPr/>
-      </p:nvGrpSpPr>
-      <p:grpSpPr>
-        <a:xfrm>
-          <a:off x="0" y="0"/>
-          <a:ext cx="0" cy="0"/>
-          <a:chOff x="0" y="0"/>
-          <a:chExt cx="0" cy="0"/>
-        </a:xfrm>
-      </p:grpSpPr>
-      <p:sp>
-        <p:nvSpPr>
-          <p:cNvPr id="3" name="Content Placeholder 2"/>
-          <p:cNvSpPr>
-            <a:spLocks noGrp="1"/>
-          </p:cNvSpPr>
-          <p:nvPr>
-            <p:ph idx="1"/>
-          </p:nvPr>
-        </p:nvSpPr>
-        <p:spPr>
-          <a:xfrm>
-            <a:off x="609600" y="1769533"/>
-            <a:ext cx="10972800" cy="4805003"/>
-          </a:xfrm>
-        </p:spPr>
-        <p:txBody>
-          <a:bodyPr/>
-          <a:lstStyle/>
-          <a:p>
-            <a:r>
-              <a:rPr lang="en-US" dirty="0" smtClean="0"/>
-              <a:t>Lesson 1: Lambda expression</a:t>
-            </a:r>
-          </a:p>
-          <a:p>
-            <a:r>
-              <a:rPr lang="en-US" dirty="0" smtClean="0"/>
-              <a:t>Lesson 2: Lambda expression rules and pattern</a:t>
-            </a:r>
-          </a:p>
-          <a:p>
-            <a:r>
-              <a:rPr lang="en-US" dirty="0" smtClean="0"/>
-              <a:t>Lesson 3: Scopes in Lambda</a:t>
-            </a:r>
-          </a:p>
-          <a:p>
-            <a:r>
-              <a:rPr lang="en-US" dirty="0" smtClean="0"/>
-              <a:t>Lesson 4: </a:t>
-            </a:r>
-            <a:r>
-              <a:rPr lang="en-US" dirty="0"/>
-              <a:t>Functional </a:t>
-            </a:r>
-            <a:r>
-              <a:rPr lang="en-US" dirty="0" smtClean="0"/>
-              <a:t>Interface</a:t>
-            </a:r>
-          </a:p>
-          <a:p>
-            <a:r>
-              <a:rPr lang="en-US" dirty="0" smtClean="0"/>
-              <a:t>Lesson 5: Functional interface in Java API</a:t>
-            </a:r>
-          </a:p>
-          <a:p>
-            <a:r>
-              <a:rPr lang="en-US" dirty="0" smtClean="0"/>
-              <a:t>Lesson 6: Method and constructor reference</a:t>
-            </a:r>
-          </a:p>
-          <a:p>
-            <a:r>
-              <a:rPr lang="en-US" dirty="0" smtClean="0"/>
-              <a:t>Lesson 7: Target Typing </a:t>
-            </a:r>
-          </a:p>
-          <a:p>
-            <a:r>
-              <a:rPr lang="en-US" dirty="0" smtClean="0"/>
-              <a:t>Lesson 8: Design API using Lambda</a:t>
-            </a:r>
-          </a:p>
-          <a:p>
-            <a:pPr marL="109728" indent="0">
-              <a:buNone/>
-            </a:pPr>
-            <a:endParaRPr lang="en-US" dirty="0" smtClean="0"/>
-          </a:p>
-          <a:p>
-            <a:endParaRPr lang="en-US" dirty="0"/>
-          </a:p>
-        </p:txBody>
-      </p:sp>
-      <p:sp>
-        <p:nvSpPr>
-          <p:cNvPr id="2" name="Title 1"/>
-          <p:cNvSpPr>
-            <a:spLocks noGrp="1"/>
-          </p:cNvSpPr>
-          <p:nvPr>
-            <p:ph type="title"/>
-          </p:nvPr>
-        </p:nvSpPr>
-        <p:spPr>
-          <a:xfrm>
-            <a:off x="609600" y="702733"/>
-            <a:ext cx="10972800" cy="1066800"/>
-          </a:xfrm>
-        </p:spPr>
-        <p:txBody>
-          <a:bodyPr/>
-          <a:lstStyle/>
-          <a:p>
-            <a:r>
-              <a:rPr lang="en-US" dirty="0" smtClean="0"/>
-              <a:t>Topics covered</a:t>
-            </a:r>
-            <a:endParaRPr lang="en-US" dirty="0"/>
-          </a:p>
-        </p:txBody>
-      </p:sp>
-    </p:spTree>
-    <p:extLst>
-      <p:ext uri="{BB962C8B-B14F-4D97-AF65-F5344CB8AC3E}">
-        <p14:creationId xmlns:p14="http://schemas.microsoft.com/office/powerpoint/2010/main" val="997860157"/>
-      </p:ext>
-    </p:extLst>
-  </p:cSld>
-  <p:clrMapOvr>
-    <a:masterClrMapping/>
-  </p:clrMapOvr>
-  <mc:AlternateContent xmlns:mc="http://schemas.openxmlformats.org/markup-compatibility/2006" xmlns:p14="http://schemas.microsoft.com/office/powerpoint/2010/main">
-    <mc:Choice Requires="p14">
-      <p:transition spd="med" p14:dur="700">
-        <p:fade/>
-      </p:transition>
-    </mc:Choice>
-    <mc:Fallback xmlns="">
-      <p:transition spd="med">
-        <p:fade/>
-      </p:transition>
-    </mc:Fallback>
-  </mc:AlternateContent>
-  <p:timing>
-    <p:tnLst>
-      <p:par>
-        <p:cTn id="1" dur="indefinite" restart="never" nodeType="tmRoot"/>
-      </p:par>
-    </p:tnLst>
-  </p:timing>
-</p:sld>
-</file>
-
-<file path=ppt/slides/slide40.xml><?xml version="1.0" encoding="utf-8"?>
+<file path=ppt/slides/slide41.xml><?xml version="1.0" encoding="utf-8"?>
 <p:sld xmlns:a="http://schemas.openxmlformats.org/drawingml/2006/main" xmlns:r="http://schemas.openxmlformats.org/officeDocument/2006/relationships" xmlns:p="http://schemas.openxmlformats.org/presentationml/2006/main">
   <p:cSld>
     <p:spTree>
@@ -18885,11 +19638,7 @@
           <a:p>
             <a:r>
               <a:rPr lang="en-IN" dirty="0" smtClean="0"/>
-              <a:t>Functional interface is </a:t>
-            </a:r>
-            <a:r>
-              <a:rPr lang="en-IN" dirty="0" smtClean="0"/>
-              <a:t>having only one and one abstract method.</a:t>
+              <a:t>Functional interface is having only one and one abstract method.</a:t>
             </a:r>
           </a:p>
           <a:p>
@@ -18957,11 +19706,7 @@
           <a:p>
             <a:r>
               <a:rPr lang="en-US" dirty="0" smtClean="0"/>
-              <a:t>Summary </a:t>
-            </a:r>
-            <a:r>
-              <a:rPr lang="en-US" dirty="0" smtClean="0"/>
-              <a:t> </a:t>
+              <a:t>Summary  </a:t>
             </a:r>
             <a:endParaRPr lang="en-US" dirty="0"/>
           </a:p>
@@ -18971,248 +19716,6 @@
     <p:extLst>
       <p:ext uri="{BB962C8B-B14F-4D97-AF65-F5344CB8AC3E}">
         <p14:creationId xmlns:p14="http://schemas.microsoft.com/office/powerpoint/2010/main" val="3956579501"/>
-      </p:ext>
-    </p:extLst>
-  </p:cSld>
-  <p:clrMapOvr>
-    <a:masterClrMapping/>
-  </p:clrMapOvr>
-  <mc:AlternateContent xmlns:mc="http://schemas.openxmlformats.org/markup-compatibility/2006" xmlns:p14="http://schemas.microsoft.com/office/powerpoint/2010/main">
-    <mc:Choice Requires="p14">
-      <p:transition spd="med" p14:dur="700">
-        <p:fade/>
-      </p:transition>
-    </mc:Choice>
-    <mc:Fallback xmlns="">
-      <p:transition spd="med">
-        <p:fade/>
-      </p:transition>
-    </mc:Fallback>
-  </mc:AlternateContent>
-  <p:timing>
-    <p:tnLst>
-      <p:par>
-        <p:cTn id="1" dur="indefinite" restart="never" nodeType="tmRoot"/>
-      </p:par>
-    </p:tnLst>
-  </p:timing>
-</p:sld>
-</file>
-
-<file path=ppt/slides/slide41.xml><?xml version="1.0" encoding="utf-8"?>
-<p:sld xmlns:a="http://schemas.openxmlformats.org/drawingml/2006/main" xmlns:r="http://schemas.openxmlformats.org/officeDocument/2006/relationships" xmlns:p="http://schemas.openxmlformats.org/presentationml/2006/main">
-  <p:cSld>
-    <p:spTree>
-      <p:nvGrpSpPr>
-        <p:cNvPr id="1" name=""/>
-        <p:cNvGrpSpPr/>
-        <p:nvPr/>
-      </p:nvGrpSpPr>
-      <p:grpSpPr>
-        <a:xfrm>
-          <a:off x="0" y="0"/>
-          <a:ext cx="0" cy="0"/>
-          <a:chOff x="0" y="0"/>
-          <a:chExt cx="0" cy="0"/>
-        </a:xfrm>
-      </p:grpSpPr>
-      <p:sp>
-        <p:nvSpPr>
-          <p:cNvPr id="3" name="Content Placeholder 2"/>
-          <p:cNvSpPr>
-            <a:spLocks noGrp="1"/>
-          </p:cNvSpPr>
-          <p:nvPr>
-            <p:ph idx="1"/>
-          </p:nvPr>
-        </p:nvSpPr>
-        <p:spPr>
-          <a:xfrm>
-            <a:off x="609600" y="1720403"/>
-            <a:ext cx="10972800" cy="4854133"/>
-          </a:xfrm>
-        </p:spPr>
-        <p:txBody>
-          <a:bodyPr>
-            <a:normAutofit fontScale="62500" lnSpcReduction="20000"/>
-          </a:bodyPr>
-          <a:lstStyle/>
-          <a:p>
-            <a:r>
-              <a:rPr lang="en-IN" dirty="0" smtClean="0"/>
-              <a:t>There </a:t>
-            </a:r>
-            <a:r>
-              <a:rPr lang="en-IN" dirty="0"/>
-              <a:t>are primitive specializations of common generic functional interfaces such as Predicate&lt;T&gt; and Function&lt;T, R&gt; that can be used to avoid boxing operations: </a:t>
-            </a:r>
-            <a:r>
-              <a:rPr lang="en-IN" dirty="0" err="1"/>
-              <a:t>IntPredicate</a:t>
-            </a:r>
-            <a:r>
-              <a:rPr lang="en-IN" dirty="0"/>
-              <a:t>, </a:t>
-            </a:r>
-            <a:r>
-              <a:rPr lang="en-IN" dirty="0" err="1"/>
-              <a:t>IntToLongFunction</a:t>
-            </a:r>
-            <a:r>
-              <a:rPr lang="en-IN" dirty="0"/>
-              <a:t>, and so on</a:t>
-            </a:r>
-            <a:r>
-              <a:rPr lang="en-IN" dirty="0" smtClean="0"/>
-              <a:t>.</a:t>
-            </a:r>
-          </a:p>
-          <a:p>
-            <a:endParaRPr lang="en-IN" dirty="0" smtClean="0"/>
-          </a:p>
-          <a:p>
-            <a:r>
-              <a:rPr lang="en-IN" dirty="0"/>
-              <a:t>Method references let you reuse an existing method implementation and pass it around directly</a:t>
-            </a:r>
-            <a:r>
-              <a:rPr lang="en-IN" dirty="0" smtClean="0"/>
-              <a:t>.</a:t>
-            </a:r>
-          </a:p>
-          <a:p>
-            <a:endParaRPr lang="en-IN" dirty="0" smtClean="0"/>
-          </a:p>
-          <a:p>
-            <a:r>
-              <a:rPr lang="en-IN" dirty="0"/>
-              <a:t>The type expected for a lambda expression is called the target type</a:t>
-            </a:r>
-            <a:r>
-              <a:rPr lang="en-IN" dirty="0" smtClean="0"/>
-              <a:t>.</a:t>
-            </a:r>
-          </a:p>
-          <a:p>
-            <a:endParaRPr lang="en-IN" dirty="0" smtClean="0"/>
-          </a:p>
-          <a:p>
-            <a:r>
-              <a:rPr lang="en-IN" dirty="0" smtClean="0"/>
-              <a:t>Lambda expression should match the signature of abstract method of functional interface.</a:t>
-            </a:r>
-          </a:p>
-          <a:p>
-            <a:pPr marL="109728" indent="0">
-              <a:buNone/>
-            </a:pPr>
-            <a:r>
-              <a:rPr lang="en-IN" dirty="0" smtClean="0"/>
-              <a:t>  </a:t>
-            </a:r>
-            <a:endParaRPr lang="en-US" dirty="0" smtClean="0"/>
-          </a:p>
-          <a:p>
-            <a:r>
-              <a:rPr lang="en-US" dirty="0" smtClean="0"/>
-              <a:t>Resources</a:t>
-            </a:r>
-          </a:p>
-          <a:p>
-            <a:pPr marL="109728" indent="0">
-              <a:buNone/>
-            </a:pPr>
-            <a:endParaRPr lang="en-US" dirty="0" smtClean="0"/>
-          </a:p>
-          <a:p>
-            <a:pPr lvl="1"/>
-            <a:r>
-              <a:rPr lang="en-US" dirty="0" smtClean="0"/>
-              <a:t>https</a:t>
-            </a:r>
-            <a:r>
-              <a:rPr lang="en-US" dirty="0"/>
-              <a:t>://docs.oracle.com/javase/tutorial/java/javaOO/lambdaexpressions.html Provide </a:t>
-            </a:r>
-            <a:r>
-              <a:rPr lang="en-US" dirty="0" smtClean="0"/>
-              <a:t>handouts with additional resource material.</a:t>
-            </a:r>
-          </a:p>
-          <a:p>
-            <a:pPr lvl="1"/>
-            <a:endParaRPr lang="en-US" dirty="0" smtClean="0"/>
-          </a:p>
-          <a:p>
-            <a:pPr lvl="1"/>
-            <a:r>
-              <a:rPr lang="en-US" dirty="0">
-                <a:hlinkClick r:id="rId2"/>
-              </a:rPr>
-              <a:t>http://</a:t>
-            </a:r>
-            <a:r>
-              <a:rPr lang="en-US" dirty="0" smtClean="0">
-                <a:hlinkClick r:id="rId2"/>
-              </a:rPr>
-              <a:t>www.oracle.com/webfolder/technetwork/tutorials/obe/java/Lambda-QuickStart/index.html</a:t>
-            </a:r>
-            <a:endParaRPr lang="en-US" dirty="0" smtClean="0"/>
-          </a:p>
-          <a:p>
-            <a:pPr lvl="1"/>
-            <a:endParaRPr lang="en-US" dirty="0" smtClean="0"/>
-          </a:p>
-          <a:p>
-            <a:pPr lvl="1"/>
-            <a:r>
-              <a:rPr lang="en-US" dirty="0"/>
-              <a:t>http://www.javaworld.com/article/2092260/java-se/java-programming-with-lambda-expressions.html</a:t>
-            </a:r>
-            <a:endParaRPr lang="en-US" dirty="0" smtClean="0"/>
-          </a:p>
-          <a:p>
-            <a:pPr lvl="1"/>
-            <a:endParaRPr lang="en-US" dirty="0"/>
-          </a:p>
-        </p:txBody>
-      </p:sp>
-      <p:sp>
-        <p:nvSpPr>
-          <p:cNvPr id="2" name="Title 1"/>
-          <p:cNvSpPr>
-            <a:spLocks noGrp="1"/>
-          </p:cNvSpPr>
-          <p:nvPr>
-            <p:ph type="title"/>
-          </p:nvPr>
-        </p:nvSpPr>
-        <p:spPr>
-          <a:xfrm>
-            <a:off x="609600" y="653603"/>
-            <a:ext cx="10972800" cy="1066800"/>
-          </a:xfrm>
-        </p:spPr>
-        <p:txBody>
-          <a:bodyPr/>
-          <a:lstStyle/>
-          <a:p>
-            <a:r>
-              <a:rPr lang="en-US" smtClean="0"/>
-              <a:t>Summary </a:t>
-            </a:r>
-            <a:r>
-              <a:rPr lang="en-US" smtClean="0"/>
-              <a:t> </a:t>
-            </a:r>
-            <a:endParaRPr lang="en-US" dirty="0"/>
-          </a:p>
-        </p:txBody>
-      </p:sp>
-    </p:spTree>
-    <p:extLst>
-      <p:ext uri="{BB962C8B-B14F-4D97-AF65-F5344CB8AC3E}">
-        <p14:creationId xmlns:p14="http://schemas.microsoft.com/office/powerpoint/2010/main" val="3809512885"/>
       </p:ext>
     </p:extLst>
   </p:cSld>
@@ -19270,6 +19773,244 @@
         </p:nvSpPr>
         <p:spPr>
           <a:xfrm>
+            <a:off x="609600" y="1720403"/>
+            <a:ext cx="10972800" cy="4854133"/>
+          </a:xfrm>
+        </p:spPr>
+        <p:txBody>
+          <a:bodyPr>
+            <a:normAutofit fontScale="62500" lnSpcReduction="20000"/>
+          </a:bodyPr>
+          <a:lstStyle/>
+          <a:p>
+            <a:r>
+              <a:rPr lang="en-IN" dirty="0" smtClean="0"/>
+              <a:t>There </a:t>
+            </a:r>
+            <a:r>
+              <a:rPr lang="en-IN" dirty="0"/>
+              <a:t>are primitive specializations of common generic functional interfaces such as Predicate&lt;T&gt; and Function&lt;T, R&gt; that can be used to avoid boxing operations: </a:t>
+            </a:r>
+            <a:r>
+              <a:rPr lang="en-IN" dirty="0" err="1"/>
+              <a:t>IntPredicate</a:t>
+            </a:r>
+            <a:r>
+              <a:rPr lang="en-IN" dirty="0"/>
+              <a:t>, </a:t>
+            </a:r>
+            <a:r>
+              <a:rPr lang="en-IN" dirty="0" err="1"/>
+              <a:t>IntToLongFunction</a:t>
+            </a:r>
+            <a:r>
+              <a:rPr lang="en-IN" dirty="0"/>
+              <a:t>, and so on</a:t>
+            </a:r>
+            <a:r>
+              <a:rPr lang="en-IN" dirty="0" smtClean="0"/>
+              <a:t>.</a:t>
+            </a:r>
+          </a:p>
+          <a:p>
+            <a:endParaRPr lang="en-IN" dirty="0" smtClean="0"/>
+          </a:p>
+          <a:p>
+            <a:r>
+              <a:rPr lang="en-IN" dirty="0"/>
+              <a:t>Method references let you reuse an existing method implementation and pass it around directly</a:t>
+            </a:r>
+            <a:r>
+              <a:rPr lang="en-IN" dirty="0" smtClean="0"/>
+              <a:t>.</a:t>
+            </a:r>
+          </a:p>
+          <a:p>
+            <a:endParaRPr lang="en-IN" dirty="0" smtClean="0"/>
+          </a:p>
+          <a:p>
+            <a:r>
+              <a:rPr lang="en-IN" dirty="0"/>
+              <a:t>The type expected for a lambda expression is called the target type</a:t>
+            </a:r>
+            <a:r>
+              <a:rPr lang="en-IN" dirty="0" smtClean="0"/>
+              <a:t>.</a:t>
+            </a:r>
+          </a:p>
+          <a:p>
+            <a:endParaRPr lang="en-IN" dirty="0" smtClean="0"/>
+          </a:p>
+          <a:p>
+            <a:r>
+              <a:rPr lang="en-IN" dirty="0" smtClean="0"/>
+              <a:t>Lambda expression should match the signature of abstract method of functional interface.</a:t>
+            </a:r>
+          </a:p>
+          <a:p>
+            <a:pPr marL="109728" indent="0">
+              <a:buNone/>
+            </a:pPr>
+            <a:r>
+              <a:rPr lang="en-IN" dirty="0" smtClean="0"/>
+              <a:t>  </a:t>
+            </a:r>
+            <a:endParaRPr lang="en-US" dirty="0" smtClean="0"/>
+          </a:p>
+          <a:p>
+            <a:r>
+              <a:rPr lang="en-US" dirty="0" smtClean="0"/>
+              <a:t>Resources</a:t>
+            </a:r>
+          </a:p>
+          <a:p>
+            <a:pPr marL="109728" indent="0">
+              <a:buNone/>
+            </a:pPr>
+            <a:endParaRPr lang="en-US" dirty="0" smtClean="0"/>
+          </a:p>
+          <a:p>
+            <a:pPr lvl="1"/>
+            <a:r>
+              <a:rPr lang="en-US" dirty="0" smtClean="0"/>
+              <a:t>https</a:t>
+            </a:r>
+            <a:r>
+              <a:rPr lang="en-US" dirty="0"/>
+              <a:t>://docs.oracle.com/javase/tutorial/java/javaOO/lambdaexpressions.html Provide </a:t>
+            </a:r>
+            <a:r>
+              <a:rPr lang="en-US" dirty="0" smtClean="0"/>
+              <a:t>handouts with additional resource material.</a:t>
+            </a:r>
+          </a:p>
+          <a:p>
+            <a:pPr lvl="1"/>
+            <a:endParaRPr lang="en-US" dirty="0" smtClean="0"/>
+          </a:p>
+          <a:p>
+            <a:pPr lvl="1"/>
+            <a:r>
+              <a:rPr lang="en-US" dirty="0">
+                <a:hlinkClick r:id="rId2"/>
+              </a:rPr>
+              <a:t>http://</a:t>
+            </a:r>
+            <a:r>
+              <a:rPr lang="en-US" dirty="0" smtClean="0">
+                <a:hlinkClick r:id="rId2"/>
+              </a:rPr>
+              <a:t>www.oracle.com/webfolder/technetwork/tutorials/obe/java/Lambda-QuickStart/index.html</a:t>
+            </a:r>
+            <a:endParaRPr lang="en-US" dirty="0" smtClean="0"/>
+          </a:p>
+          <a:p>
+            <a:pPr lvl="1"/>
+            <a:endParaRPr lang="en-US" dirty="0" smtClean="0"/>
+          </a:p>
+          <a:p>
+            <a:pPr lvl="1"/>
+            <a:r>
+              <a:rPr lang="en-US" dirty="0"/>
+              <a:t>http://www.javaworld.com/article/2092260/java-se/java-programming-with-lambda-expressions.html</a:t>
+            </a:r>
+            <a:endParaRPr lang="en-US" dirty="0" smtClean="0"/>
+          </a:p>
+          <a:p>
+            <a:pPr lvl="1"/>
+            <a:endParaRPr lang="en-US" dirty="0"/>
+          </a:p>
+        </p:txBody>
+      </p:sp>
+      <p:sp>
+        <p:nvSpPr>
+          <p:cNvPr id="2" name="Title 1"/>
+          <p:cNvSpPr>
+            <a:spLocks noGrp="1"/>
+          </p:cNvSpPr>
+          <p:nvPr>
+            <p:ph type="title"/>
+          </p:nvPr>
+        </p:nvSpPr>
+        <p:spPr>
+          <a:xfrm>
+            <a:off x="609600" y="653603"/>
+            <a:ext cx="10972800" cy="1066800"/>
+          </a:xfrm>
+        </p:spPr>
+        <p:txBody>
+          <a:bodyPr/>
+          <a:lstStyle/>
+          <a:p>
+            <a:r>
+              <a:rPr lang="en-US" smtClean="0"/>
+              <a:t>Summary  </a:t>
+            </a:r>
+            <a:endParaRPr lang="en-US" dirty="0"/>
+          </a:p>
+        </p:txBody>
+      </p:sp>
+    </p:spTree>
+    <p:extLst>
+      <p:ext uri="{BB962C8B-B14F-4D97-AF65-F5344CB8AC3E}">
+        <p14:creationId xmlns:p14="http://schemas.microsoft.com/office/powerpoint/2010/main" val="3809512885"/>
+      </p:ext>
+    </p:extLst>
+  </p:cSld>
+  <p:clrMapOvr>
+    <a:masterClrMapping/>
+  </p:clrMapOvr>
+  <mc:AlternateContent xmlns:mc="http://schemas.openxmlformats.org/markup-compatibility/2006" xmlns:p14="http://schemas.microsoft.com/office/powerpoint/2010/main">
+    <mc:Choice Requires="p14">
+      <p:transition spd="med" p14:dur="700">
+        <p:fade/>
+      </p:transition>
+    </mc:Choice>
+    <mc:Fallback xmlns="">
+      <p:transition spd="med">
+        <p:fade/>
+      </p:transition>
+    </mc:Fallback>
+  </mc:AlternateContent>
+  <p:timing>
+    <p:tnLst>
+      <p:par>
+        <p:cTn id="1" dur="indefinite" restart="never" nodeType="tmRoot"/>
+      </p:par>
+    </p:tnLst>
+  </p:timing>
+</p:sld>
+</file>
+
+<file path=ppt/slides/slide43.xml><?xml version="1.0" encoding="utf-8"?>
+<p:sld xmlns:a="http://schemas.openxmlformats.org/drawingml/2006/main" xmlns:r="http://schemas.openxmlformats.org/officeDocument/2006/relationships" xmlns:p="http://schemas.openxmlformats.org/presentationml/2006/main">
+  <p:cSld>
+    <p:spTree>
+      <p:nvGrpSpPr>
+        <p:cNvPr id="1" name=""/>
+        <p:cNvGrpSpPr/>
+        <p:nvPr/>
+      </p:nvGrpSpPr>
+      <p:grpSpPr>
+        <a:xfrm>
+          <a:off x="0" y="0"/>
+          <a:ext cx="0" cy="0"/>
+          <a:chOff x="0" y="0"/>
+          <a:chExt cx="0" cy="0"/>
+        </a:xfrm>
+      </p:grpSpPr>
+      <p:sp>
+        <p:nvSpPr>
+          <p:cNvPr id="3" name="Content Placeholder 2"/>
+          <p:cNvSpPr>
+            <a:spLocks noGrp="1"/>
+          </p:cNvSpPr>
+          <p:nvPr>
+            <p:ph idx="1"/>
+          </p:nvPr>
+        </p:nvSpPr>
+        <p:spPr>
+          <a:xfrm>
             <a:off x="609600" y="1738649"/>
             <a:ext cx="11341994" cy="4835888"/>
           </a:xfrm>
@@ -19541,7 +20282,7 @@
 </p:sld>
 </file>
 
-<file path=ppt/slides/slide43.xml><?xml version="1.0" encoding="utf-8"?>
+<file path=ppt/slides/slide44.xml><?xml version="1.0" encoding="utf-8"?>
 <p:sld xmlns:a="http://schemas.openxmlformats.org/drawingml/2006/main" xmlns:r="http://schemas.openxmlformats.org/officeDocument/2006/relationships" xmlns:p="http://schemas.openxmlformats.org/presentationml/2006/main">
   <p:cSld>
     <p:spTree>
